--- a/presentation/Presentation_final_diploma.pptx
+++ b/presentation/Presentation_final_diploma.pptx
@@ -47,7 +47,7 @@
       </p:grpSpPr>
       <p:sp>
         <p:nvSpPr>
-          <p:cNvPr id="46" name="PlaceHolder 1"/>
+          <p:cNvPr id="43" name="PlaceHolder 1"/>
           <p:cNvSpPr>
             <a:spLocks noGrp="1"/>
           </p:cNvSpPr>
@@ -67,27 +67,22 @@
         <p:txBody>
           <a:bodyPr lIns="0" rIns="0" tIns="0" bIns="0" anchor="ctr"/>
           <a:p>
-            <a:r>
-              <a:rPr b="0" lang="en-US" sz="1800" spc="-1" strike="noStrike">
-                <a:solidFill>
-                  <a:srgbClr val="000000"/>
-                </a:solidFill>
-                <a:latin typeface="Garamond"/>
+            <a:pPr algn="ctr"/>
+            <a:r>
+              <a:rPr b="0" lang="uk-UA" sz="4400" spc="-1" strike="noStrike">
+                <a:latin typeface="Arial"/>
               </a:rPr>
               <a:t>Click to move the slide</a:t>
             </a:r>
-            <a:endParaRPr b="0" lang="en-US" sz="1800" spc="-1" strike="noStrike">
-              <a:solidFill>
-                <a:srgbClr val="000000"/>
-              </a:solidFill>
-              <a:latin typeface="Garamond"/>
-            </a:endParaRPr>
-          </a:p>
-        </p:txBody>
-      </p:sp>
-      <p:sp>
-        <p:nvSpPr>
-          <p:cNvPr id="47" name="PlaceHolder 2"/>
+            <a:endParaRPr b="0" lang="uk-UA" sz="4400" spc="-1" strike="noStrike">
+              <a:latin typeface="Arial"/>
+            </a:endParaRPr>
+          </a:p>
+        </p:txBody>
+      </p:sp>
+      <p:sp>
+        <p:nvSpPr>
+          <p:cNvPr id="44" name="PlaceHolder 2"/>
           <p:cNvSpPr>
             <a:spLocks noGrp="1"/>
           </p:cNvSpPr>
@@ -121,7 +116,7 @@
       </p:sp>
       <p:sp>
         <p:nvSpPr>
-          <p:cNvPr id="48" name="PlaceHolder 3"/>
+          <p:cNvPr id="45" name="PlaceHolder 3"/>
           <p:cNvSpPr>
             <a:spLocks noGrp="1"/>
           </p:cNvSpPr>
@@ -155,7 +150,7 @@
       </p:sp>
       <p:sp>
         <p:nvSpPr>
-          <p:cNvPr id="49" name="PlaceHolder 4"/>
+          <p:cNvPr id="46" name="PlaceHolder 4"/>
           <p:cNvSpPr>
             <a:spLocks noGrp="1"/>
           </p:cNvSpPr>
@@ -190,7 +185,7 @@
       </p:sp>
       <p:sp>
         <p:nvSpPr>
-          <p:cNvPr id="50" name="PlaceHolder 5"/>
+          <p:cNvPr id="47" name="PlaceHolder 5"/>
           <p:cNvSpPr>
             <a:spLocks noGrp="1"/>
           </p:cNvSpPr>
@@ -224,7 +219,7 @@
       </p:sp>
       <p:sp>
         <p:nvSpPr>
-          <p:cNvPr id="51" name="PlaceHolder 6"/>
+          <p:cNvPr id="48" name="PlaceHolder 6"/>
           <p:cNvSpPr>
             <a:spLocks noGrp="1"/>
           </p:cNvSpPr>
@@ -245,7 +240,7 @@
           <a:bodyPr lIns="0" rIns="0" tIns="0" bIns="0" anchor="b"/>
           <a:p>
             <a:pPr algn="r"/>
-            <a:fld id="{9535F244-EC80-4A47-ADDB-ECFF73D2BBEC}" type="slidenum">
+            <a:fld id="{4692F881-CBFB-4B13-BE64-15F861EBB60D}" type="slidenum">
               <a:rPr b="0" lang="uk-UA" sz="1400" spc="-1" strike="noStrike">
                 <a:latin typeface="Times New Roman"/>
               </a:rPr>
@@ -282,7 +277,7 @@
       </p:grpSpPr>
       <p:sp>
         <p:nvSpPr>
-          <p:cNvPr id="109" name="PlaceHolder 1"/>
+          <p:cNvPr id="104" name="PlaceHolder 1"/>
           <p:cNvSpPr>
             <a:spLocks noGrp="1"/>
           </p:cNvSpPr>
@@ -293,16 +288,16 @@
         <p:spPr>
           <a:xfrm>
             <a:off x="685800" y="1143000"/>
-            <a:ext cx="5486040" cy="3085920"/>
-          </a:xfrm>
-          <a:prstGeom prst="rect">
-            <a:avLst/>
-          </a:prstGeom>
-        </p:spPr>
-      </p:sp>
-      <p:sp>
-        <p:nvSpPr>
-          <p:cNvPr id="110" name="PlaceHolder 2"/>
+            <a:ext cx="5485320" cy="3085200"/>
+          </a:xfrm>
+          <a:prstGeom prst="rect">
+            <a:avLst/>
+          </a:prstGeom>
+        </p:spPr>
+      </p:sp>
+      <p:sp>
+        <p:nvSpPr>
+          <p:cNvPr id="105" name="PlaceHolder 2"/>
           <p:cNvSpPr>
             <a:spLocks noGrp="1"/>
           </p:cNvSpPr>
@@ -313,14 +308,14 @@
         <p:spPr>
           <a:xfrm>
             <a:off x="685800" y="4400640"/>
-            <a:ext cx="5486040" cy="3600000"/>
-          </a:xfrm>
-          <a:prstGeom prst="rect">
-            <a:avLst/>
-          </a:prstGeom>
-        </p:spPr>
-        <p:txBody>
-          <a:bodyPr/>
+            <a:ext cx="5485320" cy="3599280"/>
+          </a:xfrm>
+          <a:prstGeom prst="rect">
+            <a:avLst/>
+          </a:prstGeom>
+        </p:spPr>
+        <p:txBody>
+          <a:bodyPr lIns="0" rIns="0" tIns="0" bIns="0"/>
           <a:p>
             <a:endParaRPr b="0" lang="uk-UA" sz="2000" spc="-1" strike="noStrike">
               <a:latin typeface="Arial"/>
@@ -330,14 +325,14 @@
       </p:sp>
       <p:sp>
         <p:nvSpPr>
-          <p:cNvPr id="111" name="TextShape 3"/>
-          <p:cNvSpPr txBox="1"/>
+          <p:cNvPr id="106" name="CustomShape 3"/>
+          <p:cNvSpPr/>
           <p:nvPr/>
         </p:nvSpPr>
         <p:spPr>
           <a:xfrm>
             <a:off x="3884760" y="8685360"/>
-            <a:ext cx="2971440" cy="458280"/>
+            <a:ext cx="2970720" cy="457560"/>
           </a:xfrm>
           <a:prstGeom prst="rect">
             <a:avLst/>
@@ -347,22 +342,31 @@
             <a:noFill/>
           </a:ln>
         </p:spPr>
-        <p:txBody>
-          <a:bodyPr anchor="b"/>
+        <p:style>
+          <a:lnRef idx="0"/>
+          <a:fillRef idx="0"/>
+          <a:effectRef idx="0"/>
+          <a:fontRef idx="minor"/>
+        </p:style>
+        <p:txBody>
+          <a:bodyPr lIns="90000" rIns="90000" tIns="45000" bIns="45000" anchor="b"/>
           <a:p>
             <a:pPr algn="r">
               <a:lnSpc>
                 <a:spcPct val="100000"/>
               </a:lnSpc>
             </a:pPr>
-            <a:fld id="{DE91B055-67DF-4ADD-BCDD-18BE39878AFC}" type="slidenum">
+            <a:fld id="{819BED3D-95F5-47AB-9A2C-7815CC08F774}" type="slidenum">
               <a:rPr b="0" lang="uk-UA" sz="1200" spc="-1" strike="noStrike">
-                <a:latin typeface="Times New Roman"/>
-              </a:rPr>
-              <a:t>&lt;number&gt;</a:t>
+                <a:solidFill>
+                  <a:srgbClr val="000000"/>
+                </a:solidFill>
+                <a:latin typeface="Times New Roman"/>
+              </a:rPr>
+              <a:t>1</a:t>
             </a:fld>
             <a:endParaRPr b="0" lang="uk-UA" sz="1200" spc="-1" strike="noStrike">
-              <a:latin typeface="Times New Roman"/>
+              <a:latin typeface="Arial"/>
             </a:endParaRPr>
           </a:p>
         </p:txBody>
@@ -413,7 +417,7 @@
       </p:grpSpPr>
       <p:sp>
         <p:nvSpPr>
-          <p:cNvPr id="31" name="PlaceHolder 1"/>
+          <p:cNvPr id="28" name="PlaceHolder 1"/>
           <p:cNvSpPr>
             <a:spLocks noGrp="1"/>
           </p:cNvSpPr>
@@ -433,18 +437,16 @@
         <p:txBody>
           <a:bodyPr lIns="0" rIns="0" tIns="0" bIns="0" anchor="ctr"/>
           <a:p>
-            <a:endParaRPr b="0" lang="en-US" sz="1800" spc="-1" strike="noStrike">
-              <a:solidFill>
-                <a:srgbClr val="000000"/>
-              </a:solidFill>
-              <a:latin typeface="Garamond"/>
-            </a:endParaRPr>
-          </a:p>
-        </p:txBody>
-      </p:sp>
-      <p:sp>
-        <p:nvSpPr>
-          <p:cNvPr id="32" name="PlaceHolder 2"/>
+            <a:pPr algn="ctr"/>
+            <a:endParaRPr b="0" lang="uk-UA" sz="4400" spc="-1" strike="noStrike">
+              <a:latin typeface="Arial"/>
+            </a:endParaRPr>
+          </a:p>
+        </p:txBody>
+      </p:sp>
+      <p:sp>
+        <p:nvSpPr>
+          <p:cNvPr id="29" name="PlaceHolder 2"/>
           <p:cNvSpPr>
             <a:spLocks noGrp="1"/>
           </p:cNvSpPr>
@@ -466,18 +468,15 @@
             <a:normAutofit/>
           </a:bodyPr>
           <a:p>
-            <a:endParaRPr b="0" lang="en-US" sz="2400" spc="-1" strike="noStrike">
-              <a:solidFill>
-                <a:srgbClr val="262626"/>
-              </a:solidFill>
-              <a:latin typeface="Garamond"/>
-            </a:endParaRPr>
-          </a:p>
-        </p:txBody>
-      </p:sp>
-      <p:sp>
-        <p:nvSpPr>
-          <p:cNvPr id="33" name="PlaceHolder 3"/>
+            <a:endParaRPr b="0" lang="uk-UA" sz="3200" spc="-1" strike="noStrike">
+              <a:latin typeface="Arial"/>
+            </a:endParaRPr>
+          </a:p>
+        </p:txBody>
+      </p:sp>
+      <p:sp>
+        <p:nvSpPr>
+          <p:cNvPr id="30" name="PlaceHolder 3"/>
           <p:cNvSpPr>
             <a:spLocks noGrp="1"/>
           </p:cNvSpPr>
@@ -499,11 +498,8 @@
             <a:normAutofit/>
           </a:bodyPr>
           <a:p>
-            <a:endParaRPr b="0" lang="en-US" sz="2400" spc="-1" strike="noStrike">
-              <a:solidFill>
-                <a:srgbClr val="262626"/>
-              </a:solidFill>
-              <a:latin typeface="Garamond"/>
+            <a:endParaRPr b="0" lang="uk-UA" sz="3200" spc="-1" strike="noStrike">
+              <a:latin typeface="Arial"/>
             </a:endParaRPr>
           </a:p>
         </p:txBody>
@@ -532,7 +528,7 @@
       </p:grpSpPr>
       <p:sp>
         <p:nvSpPr>
-          <p:cNvPr id="34" name="PlaceHolder 1"/>
+          <p:cNvPr id="31" name="PlaceHolder 1"/>
           <p:cNvSpPr>
             <a:spLocks noGrp="1"/>
           </p:cNvSpPr>
@@ -552,18 +548,16 @@
         <p:txBody>
           <a:bodyPr lIns="0" rIns="0" tIns="0" bIns="0" anchor="ctr"/>
           <a:p>
-            <a:endParaRPr b="0" lang="en-US" sz="1800" spc="-1" strike="noStrike">
-              <a:solidFill>
-                <a:srgbClr val="000000"/>
-              </a:solidFill>
-              <a:latin typeface="Garamond"/>
-            </a:endParaRPr>
-          </a:p>
-        </p:txBody>
-      </p:sp>
-      <p:sp>
-        <p:nvSpPr>
-          <p:cNvPr id="35" name="PlaceHolder 2"/>
+            <a:pPr algn="ctr"/>
+            <a:endParaRPr b="0" lang="uk-UA" sz="4400" spc="-1" strike="noStrike">
+              <a:latin typeface="Arial"/>
+            </a:endParaRPr>
+          </a:p>
+        </p:txBody>
+      </p:sp>
+      <p:sp>
+        <p:nvSpPr>
+          <p:cNvPr id="32" name="PlaceHolder 2"/>
           <p:cNvSpPr>
             <a:spLocks noGrp="1"/>
           </p:cNvSpPr>
@@ -585,18 +579,15 @@
             <a:normAutofit/>
           </a:bodyPr>
           <a:p>
-            <a:endParaRPr b="0" lang="en-US" sz="2400" spc="-1" strike="noStrike">
-              <a:solidFill>
-                <a:srgbClr val="262626"/>
-              </a:solidFill>
-              <a:latin typeface="Garamond"/>
-            </a:endParaRPr>
-          </a:p>
-        </p:txBody>
-      </p:sp>
-      <p:sp>
-        <p:nvSpPr>
-          <p:cNvPr id="36" name="PlaceHolder 3"/>
+            <a:endParaRPr b="0" lang="uk-UA" sz="3200" spc="-1" strike="noStrike">
+              <a:latin typeface="Arial"/>
+            </a:endParaRPr>
+          </a:p>
+        </p:txBody>
+      </p:sp>
+      <p:sp>
+        <p:nvSpPr>
+          <p:cNvPr id="33" name="PlaceHolder 3"/>
           <p:cNvSpPr>
             <a:spLocks noGrp="1"/>
           </p:cNvSpPr>
@@ -618,18 +609,15 @@
             <a:normAutofit/>
           </a:bodyPr>
           <a:p>
-            <a:endParaRPr b="0" lang="en-US" sz="2400" spc="-1" strike="noStrike">
-              <a:solidFill>
-                <a:srgbClr val="262626"/>
-              </a:solidFill>
-              <a:latin typeface="Garamond"/>
-            </a:endParaRPr>
-          </a:p>
-        </p:txBody>
-      </p:sp>
-      <p:sp>
-        <p:nvSpPr>
-          <p:cNvPr id="37" name="PlaceHolder 4"/>
+            <a:endParaRPr b="0" lang="uk-UA" sz="3200" spc="-1" strike="noStrike">
+              <a:latin typeface="Arial"/>
+            </a:endParaRPr>
+          </a:p>
+        </p:txBody>
+      </p:sp>
+      <p:sp>
+        <p:nvSpPr>
+          <p:cNvPr id="34" name="PlaceHolder 4"/>
           <p:cNvSpPr>
             <a:spLocks noGrp="1"/>
           </p:cNvSpPr>
@@ -651,18 +639,15 @@
             <a:normAutofit/>
           </a:bodyPr>
           <a:p>
-            <a:endParaRPr b="0" lang="en-US" sz="2400" spc="-1" strike="noStrike">
-              <a:solidFill>
-                <a:srgbClr val="262626"/>
-              </a:solidFill>
-              <a:latin typeface="Garamond"/>
-            </a:endParaRPr>
-          </a:p>
-        </p:txBody>
-      </p:sp>
-      <p:sp>
-        <p:nvSpPr>
-          <p:cNvPr id="38" name="PlaceHolder 5"/>
+            <a:endParaRPr b="0" lang="uk-UA" sz="3200" spc="-1" strike="noStrike">
+              <a:latin typeface="Arial"/>
+            </a:endParaRPr>
+          </a:p>
+        </p:txBody>
+      </p:sp>
+      <p:sp>
+        <p:nvSpPr>
+          <p:cNvPr id="35" name="PlaceHolder 5"/>
           <p:cNvSpPr>
             <a:spLocks noGrp="1"/>
           </p:cNvSpPr>
@@ -684,11 +669,8 @@
             <a:normAutofit/>
           </a:bodyPr>
           <a:p>
-            <a:endParaRPr b="0" lang="en-US" sz="2400" spc="-1" strike="noStrike">
-              <a:solidFill>
-                <a:srgbClr val="262626"/>
-              </a:solidFill>
-              <a:latin typeface="Garamond"/>
+            <a:endParaRPr b="0" lang="uk-UA" sz="3200" spc="-1" strike="noStrike">
+              <a:latin typeface="Arial"/>
             </a:endParaRPr>
           </a:p>
         </p:txBody>
@@ -717,7 +699,7 @@
       </p:grpSpPr>
       <p:sp>
         <p:nvSpPr>
-          <p:cNvPr id="39" name="PlaceHolder 1"/>
+          <p:cNvPr id="36" name="PlaceHolder 1"/>
           <p:cNvSpPr>
             <a:spLocks noGrp="1"/>
           </p:cNvSpPr>
@@ -737,18 +719,16 @@
         <p:txBody>
           <a:bodyPr lIns="0" rIns="0" tIns="0" bIns="0" anchor="ctr"/>
           <a:p>
-            <a:endParaRPr b="0" lang="en-US" sz="1800" spc="-1" strike="noStrike">
-              <a:solidFill>
-                <a:srgbClr val="000000"/>
-              </a:solidFill>
-              <a:latin typeface="Garamond"/>
-            </a:endParaRPr>
-          </a:p>
-        </p:txBody>
-      </p:sp>
-      <p:sp>
-        <p:nvSpPr>
-          <p:cNvPr id="40" name="PlaceHolder 2"/>
+            <a:pPr algn="ctr"/>
+            <a:endParaRPr b="0" lang="uk-UA" sz="4400" spc="-1" strike="noStrike">
+              <a:latin typeface="Arial"/>
+            </a:endParaRPr>
+          </a:p>
+        </p:txBody>
+      </p:sp>
+      <p:sp>
+        <p:nvSpPr>
+          <p:cNvPr id="37" name="PlaceHolder 2"/>
           <p:cNvSpPr>
             <a:spLocks noGrp="1"/>
           </p:cNvSpPr>
@@ -770,18 +750,15 @@
             <a:normAutofit/>
           </a:bodyPr>
           <a:p>
-            <a:endParaRPr b="0" lang="en-US" sz="2400" spc="-1" strike="noStrike">
-              <a:solidFill>
-                <a:srgbClr val="262626"/>
-              </a:solidFill>
-              <a:latin typeface="Garamond"/>
-            </a:endParaRPr>
-          </a:p>
-        </p:txBody>
-      </p:sp>
-      <p:sp>
-        <p:nvSpPr>
-          <p:cNvPr id="41" name="PlaceHolder 3"/>
+            <a:endParaRPr b="0" lang="uk-UA" sz="3200" spc="-1" strike="noStrike">
+              <a:latin typeface="Arial"/>
+            </a:endParaRPr>
+          </a:p>
+        </p:txBody>
+      </p:sp>
+      <p:sp>
+        <p:nvSpPr>
+          <p:cNvPr id="38" name="PlaceHolder 3"/>
           <p:cNvSpPr>
             <a:spLocks noGrp="1"/>
           </p:cNvSpPr>
@@ -803,18 +780,15 @@
             <a:normAutofit/>
           </a:bodyPr>
           <a:p>
-            <a:endParaRPr b="0" lang="en-US" sz="2400" spc="-1" strike="noStrike">
-              <a:solidFill>
-                <a:srgbClr val="262626"/>
-              </a:solidFill>
-              <a:latin typeface="Garamond"/>
-            </a:endParaRPr>
-          </a:p>
-        </p:txBody>
-      </p:sp>
-      <p:sp>
-        <p:nvSpPr>
-          <p:cNvPr id="42" name="PlaceHolder 4"/>
+            <a:endParaRPr b="0" lang="uk-UA" sz="3200" spc="-1" strike="noStrike">
+              <a:latin typeface="Arial"/>
+            </a:endParaRPr>
+          </a:p>
+        </p:txBody>
+      </p:sp>
+      <p:sp>
+        <p:nvSpPr>
+          <p:cNvPr id="39" name="PlaceHolder 4"/>
           <p:cNvSpPr>
             <a:spLocks noGrp="1"/>
           </p:cNvSpPr>
@@ -836,18 +810,15 @@
             <a:normAutofit/>
           </a:bodyPr>
           <a:p>
-            <a:endParaRPr b="0" lang="en-US" sz="2400" spc="-1" strike="noStrike">
-              <a:solidFill>
-                <a:srgbClr val="262626"/>
-              </a:solidFill>
-              <a:latin typeface="Garamond"/>
-            </a:endParaRPr>
-          </a:p>
-        </p:txBody>
-      </p:sp>
-      <p:sp>
-        <p:nvSpPr>
-          <p:cNvPr id="43" name="PlaceHolder 5"/>
+            <a:endParaRPr b="0" lang="uk-UA" sz="3200" spc="-1" strike="noStrike">
+              <a:latin typeface="Arial"/>
+            </a:endParaRPr>
+          </a:p>
+        </p:txBody>
+      </p:sp>
+      <p:sp>
+        <p:nvSpPr>
+          <p:cNvPr id="40" name="PlaceHolder 5"/>
           <p:cNvSpPr>
             <a:spLocks noGrp="1"/>
           </p:cNvSpPr>
@@ -869,18 +840,15 @@
             <a:normAutofit/>
           </a:bodyPr>
           <a:p>
-            <a:endParaRPr b="0" lang="en-US" sz="2400" spc="-1" strike="noStrike">
-              <a:solidFill>
-                <a:srgbClr val="262626"/>
-              </a:solidFill>
-              <a:latin typeface="Garamond"/>
-            </a:endParaRPr>
-          </a:p>
-        </p:txBody>
-      </p:sp>
-      <p:sp>
-        <p:nvSpPr>
-          <p:cNvPr id="44" name="PlaceHolder 6"/>
+            <a:endParaRPr b="0" lang="uk-UA" sz="3200" spc="-1" strike="noStrike">
+              <a:latin typeface="Arial"/>
+            </a:endParaRPr>
+          </a:p>
+        </p:txBody>
+      </p:sp>
+      <p:sp>
+        <p:nvSpPr>
+          <p:cNvPr id="41" name="PlaceHolder 6"/>
           <p:cNvSpPr>
             <a:spLocks noGrp="1"/>
           </p:cNvSpPr>
@@ -902,18 +870,15 @@
             <a:normAutofit/>
           </a:bodyPr>
           <a:p>
-            <a:endParaRPr b="0" lang="en-US" sz="2400" spc="-1" strike="noStrike">
-              <a:solidFill>
-                <a:srgbClr val="262626"/>
-              </a:solidFill>
-              <a:latin typeface="Garamond"/>
-            </a:endParaRPr>
-          </a:p>
-        </p:txBody>
-      </p:sp>
-      <p:sp>
-        <p:nvSpPr>
-          <p:cNvPr id="45" name="PlaceHolder 7"/>
+            <a:endParaRPr b="0" lang="uk-UA" sz="3200" spc="-1" strike="noStrike">
+              <a:latin typeface="Arial"/>
+            </a:endParaRPr>
+          </a:p>
+        </p:txBody>
+      </p:sp>
+      <p:sp>
+        <p:nvSpPr>
+          <p:cNvPr id="42" name="PlaceHolder 7"/>
           <p:cNvSpPr>
             <a:spLocks noGrp="1"/>
           </p:cNvSpPr>
@@ -935,11 +900,8 @@
             <a:normAutofit/>
           </a:bodyPr>
           <a:p>
-            <a:endParaRPr b="0" lang="en-US" sz="2400" spc="-1" strike="noStrike">
-              <a:solidFill>
-                <a:srgbClr val="262626"/>
-              </a:solidFill>
-              <a:latin typeface="Garamond"/>
+            <a:endParaRPr b="0" lang="uk-UA" sz="3200" spc="-1" strike="noStrike">
+              <a:latin typeface="Arial"/>
             </a:endParaRPr>
           </a:p>
         </p:txBody>
@@ -968,7 +930,7 @@
       </p:grpSpPr>
       <p:sp>
         <p:nvSpPr>
-          <p:cNvPr id="10" name="PlaceHolder 1"/>
+          <p:cNvPr id="7" name="PlaceHolder 1"/>
           <p:cNvSpPr>
             <a:spLocks noGrp="1"/>
           </p:cNvSpPr>
@@ -988,18 +950,16 @@
         <p:txBody>
           <a:bodyPr lIns="0" rIns="0" tIns="0" bIns="0" anchor="ctr"/>
           <a:p>
-            <a:endParaRPr b="0" lang="en-US" sz="1800" spc="-1" strike="noStrike">
-              <a:solidFill>
-                <a:srgbClr val="000000"/>
-              </a:solidFill>
-              <a:latin typeface="Garamond"/>
-            </a:endParaRPr>
-          </a:p>
-        </p:txBody>
-      </p:sp>
-      <p:sp>
-        <p:nvSpPr>
-          <p:cNvPr id="11" name="PlaceHolder 2"/>
+            <a:pPr algn="ctr"/>
+            <a:endParaRPr b="0" lang="uk-UA" sz="4400" spc="-1" strike="noStrike">
+              <a:latin typeface="Arial"/>
+            </a:endParaRPr>
+          </a:p>
+        </p:txBody>
+      </p:sp>
+      <p:sp>
+        <p:nvSpPr>
+          <p:cNvPr id="8" name="PlaceHolder 2"/>
           <p:cNvSpPr>
             <a:spLocks noGrp="1"/>
           </p:cNvSpPr>
@@ -1050,7 +1010,7 @@
       </p:grpSpPr>
       <p:sp>
         <p:nvSpPr>
-          <p:cNvPr id="12" name="PlaceHolder 1"/>
+          <p:cNvPr id="9" name="PlaceHolder 1"/>
           <p:cNvSpPr>
             <a:spLocks noGrp="1"/>
           </p:cNvSpPr>
@@ -1070,18 +1030,16 @@
         <p:txBody>
           <a:bodyPr lIns="0" rIns="0" tIns="0" bIns="0" anchor="ctr"/>
           <a:p>
-            <a:endParaRPr b="0" lang="en-US" sz="1800" spc="-1" strike="noStrike">
-              <a:solidFill>
-                <a:srgbClr val="000000"/>
-              </a:solidFill>
-              <a:latin typeface="Garamond"/>
-            </a:endParaRPr>
-          </a:p>
-        </p:txBody>
-      </p:sp>
-      <p:sp>
-        <p:nvSpPr>
-          <p:cNvPr id="13" name="PlaceHolder 2"/>
+            <a:pPr algn="ctr"/>
+            <a:endParaRPr b="0" lang="uk-UA" sz="4400" spc="-1" strike="noStrike">
+              <a:latin typeface="Arial"/>
+            </a:endParaRPr>
+          </a:p>
+        </p:txBody>
+      </p:sp>
+      <p:sp>
+        <p:nvSpPr>
+          <p:cNvPr id="10" name="PlaceHolder 2"/>
           <p:cNvSpPr>
             <a:spLocks noGrp="1"/>
           </p:cNvSpPr>
@@ -1103,11 +1061,8 @@
             <a:normAutofit/>
           </a:bodyPr>
           <a:p>
-            <a:endParaRPr b="0" lang="en-US" sz="2400" spc="-1" strike="noStrike">
-              <a:solidFill>
-                <a:srgbClr val="262626"/>
-              </a:solidFill>
-              <a:latin typeface="Garamond"/>
+            <a:endParaRPr b="0" lang="uk-UA" sz="3200" spc="-1" strike="noStrike">
+              <a:latin typeface="Arial"/>
             </a:endParaRPr>
           </a:p>
         </p:txBody>
@@ -1136,7 +1091,7 @@
       </p:grpSpPr>
       <p:sp>
         <p:nvSpPr>
-          <p:cNvPr id="14" name="PlaceHolder 1"/>
+          <p:cNvPr id="11" name="PlaceHolder 1"/>
           <p:cNvSpPr>
             <a:spLocks noGrp="1"/>
           </p:cNvSpPr>
@@ -1156,18 +1111,16 @@
         <p:txBody>
           <a:bodyPr lIns="0" rIns="0" tIns="0" bIns="0" anchor="ctr"/>
           <a:p>
-            <a:endParaRPr b="0" lang="en-US" sz="1800" spc="-1" strike="noStrike">
-              <a:solidFill>
-                <a:srgbClr val="000000"/>
-              </a:solidFill>
-              <a:latin typeface="Garamond"/>
-            </a:endParaRPr>
-          </a:p>
-        </p:txBody>
-      </p:sp>
-      <p:sp>
-        <p:nvSpPr>
-          <p:cNvPr id="15" name="PlaceHolder 2"/>
+            <a:pPr algn="ctr"/>
+            <a:endParaRPr b="0" lang="uk-UA" sz="4400" spc="-1" strike="noStrike">
+              <a:latin typeface="Arial"/>
+            </a:endParaRPr>
+          </a:p>
+        </p:txBody>
+      </p:sp>
+      <p:sp>
+        <p:nvSpPr>
+          <p:cNvPr id="12" name="PlaceHolder 2"/>
           <p:cNvSpPr>
             <a:spLocks noGrp="1"/>
           </p:cNvSpPr>
@@ -1189,18 +1142,15 @@
             <a:normAutofit/>
           </a:bodyPr>
           <a:p>
-            <a:endParaRPr b="0" lang="en-US" sz="2400" spc="-1" strike="noStrike">
-              <a:solidFill>
-                <a:srgbClr val="262626"/>
-              </a:solidFill>
-              <a:latin typeface="Garamond"/>
-            </a:endParaRPr>
-          </a:p>
-        </p:txBody>
-      </p:sp>
-      <p:sp>
-        <p:nvSpPr>
-          <p:cNvPr id="16" name="PlaceHolder 3"/>
+            <a:endParaRPr b="0" lang="uk-UA" sz="3200" spc="-1" strike="noStrike">
+              <a:latin typeface="Arial"/>
+            </a:endParaRPr>
+          </a:p>
+        </p:txBody>
+      </p:sp>
+      <p:sp>
+        <p:nvSpPr>
+          <p:cNvPr id="13" name="PlaceHolder 3"/>
           <p:cNvSpPr>
             <a:spLocks noGrp="1"/>
           </p:cNvSpPr>
@@ -1222,11 +1172,8 @@
             <a:normAutofit/>
           </a:bodyPr>
           <a:p>
-            <a:endParaRPr b="0" lang="en-US" sz="2400" spc="-1" strike="noStrike">
-              <a:solidFill>
-                <a:srgbClr val="262626"/>
-              </a:solidFill>
-              <a:latin typeface="Garamond"/>
+            <a:endParaRPr b="0" lang="uk-UA" sz="3200" spc="-1" strike="noStrike">
+              <a:latin typeface="Arial"/>
             </a:endParaRPr>
           </a:p>
         </p:txBody>
@@ -1255,7 +1202,7 @@
       </p:grpSpPr>
       <p:sp>
         <p:nvSpPr>
-          <p:cNvPr id="17" name="PlaceHolder 1"/>
+          <p:cNvPr id="14" name="PlaceHolder 1"/>
           <p:cNvSpPr>
             <a:spLocks noGrp="1"/>
           </p:cNvSpPr>
@@ -1275,11 +1222,9 @@
         <p:txBody>
           <a:bodyPr lIns="0" rIns="0" tIns="0" bIns="0" anchor="ctr"/>
           <a:p>
-            <a:endParaRPr b="0" lang="en-US" sz="1800" spc="-1" strike="noStrike">
-              <a:solidFill>
-                <a:srgbClr val="000000"/>
-              </a:solidFill>
-              <a:latin typeface="Garamond"/>
+            <a:pPr algn="ctr"/>
+            <a:endParaRPr b="0" lang="uk-UA" sz="4400" spc="-1" strike="noStrike">
+              <a:latin typeface="Arial"/>
             </a:endParaRPr>
           </a:p>
         </p:txBody>
@@ -1308,7 +1253,7 @@
       </p:grpSpPr>
       <p:sp>
         <p:nvSpPr>
-          <p:cNvPr id="18" name="PlaceHolder 1"/>
+          <p:cNvPr id="15" name="PlaceHolder 1"/>
           <p:cNvSpPr>
             <a:spLocks noGrp="1"/>
           </p:cNvSpPr>
@@ -1359,7 +1304,7 @@
       </p:grpSpPr>
       <p:sp>
         <p:nvSpPr>
-          <p:cNvPr id="19" name="PlaceHolder 1"/>
+          <p:cNvPr id="16" name="PlaceHolder 1"/>
           <p:cNvSpPr>
             <a:spLocks noGrp="1"/>
           </p:cNvSpPr>
@@ -1379,18 +1324,16 @@
         <p:txBody>
           <a:bodyPr lIns="0" rIns="0" tIns="0" bIns="0" anchor="ctr"/>
           <a:p>
-            <a:endParaRPr b="0" lang="en-US" sz="1800" spc="-1" strike="noStrike">
-              <a:solidFill>
-                <a:srgbClr val="000000"/>
-              </a:solidFill>
-              <a:latin typeface="Garamond"/>
-            </a:endParaRPr>
-          </a:p>
-        </p:txBody>
-      </p:sp>
-      <p:sp>
-        <p:nvSpPr>
-          <p:cNvPr id="20" name="PlaceHolder 2"/>
+            <a:pPr algn="ctr"/>
+            <a:endParaRPr b="0" lang="uk-UA" sz="4400" spc="-1" strike="noStrike">
+              <a:latin typeface="Arial"/>
+            </a:endParaRPr>
+          </a:p>
+        </p:txBody>
+      </p:sp>
+      <p:sp>
+        <p:nvSpPr>
+          <p:cNvPr id="17" name="PlaceHolder 2"/>
           <p:cNvSpPr>
             <a:spLocks noGrp="1"/>
           </p:cNvSpPr>
@@ -1412,18 +1355,15 @@
             <a:normAutofit/>
           </a:bodyPr>
           <a:p>
-            <a:endParaRPr b="0" lang="en-US" sz="2400" spc="-1" strike="noStrike">
-              <a:solidFill>
-                <a:srgbClr val="262626"/>
-              </a:solidFill>
-              <a:latin typeface="Garamond"/>
-            </a:endParaRPr>
-          </a:p>
-        </p:txBody>
-      </p:sp>
-      <p:sp>
-        <p:nvSpPr>
-          <p:cNvPr id="21" name="PlaceHolder 3"/>
+            <a:endParaRPr b="0" lang="uk-UA" sz="3200" spc="-1" strike="noStrike">
+              <a:latin typeface="Arial"/>
+            </a:endParaRPr>
+          </a:p>
+        </p:txBody>
+      </p:sp>
+      <p:sp>
+        <p:nvSpPr>
+          <p:cNvPr id="18" name="PlaceHolder 3"/>
           <p:cNvSpPr>
             <a:spLocks noGrp="1"/>
           </p:cNvSpPr>
@@ -1445,18 +1385,15 @@
             <a:normAutofit/>
           </a:bodyPr>
           <a:p>
-            <a:endParaRPr b="0" lang="en-US" sz="2400" spc="-1" strike="noStrike">
-              <a:solidFill>
-                <a:srgbClr val="262626"/>
-              </a:solidFill>
-              <a:latin typeface="Garamond"/>
-            </a:endParaRPr>
-          </a:p>
-        </p:txBody>
-      </p:sp>
-      <p:sp>
-        <p:nvSpPr>
-          <p:cNvPr id="22" name="PlaceHolder 4"/>
+            <a:endParaRPr b="0" lang="uk-UA" sz="3200" spc="-1" strike="noStrike">
+              <a:latin typeface="Arial"/>
+            </a:endParaRPr>
+          </a:p>
+        </p:txBody>
+      </p:sp>
+      <p:sp>
+        <p:nvSpPr>
+          <p:cNvPr id="19" name="PlaceHolder 4"/>
           <p:cNvSpPr>
             <a:spLocks noGrp="1"/>
           </p:cNvSpPr>
@@ -1478,11 +1415,8 @@
             <a:normAutofit/>
           </a:bodyPr>
           <a:p>
-            <a:endParaRPr b="0" lang="en-US" sz="2400" spc="-1" strike="noStrike">
-              <a:solidFill>
-                <a:srgbClr val="262626"/>
-              </a:solidFill>
-              <a:latin typeface="Garamond"/>
+            <a:endParaRPr b="0" lang="uk-UA" sz="3200" spc="-1" strike="noStrike">
+              <a:latin typeface="Arial"/>
             </a:endParaRPr>
           </a:p>
         </p:txBody>
@@ -1511,7 +1445,7 @@
       </p:grpSpPr>
       <p:sp>
         <p:nvSpPr>
-          <p:cNvPr id="23" name="PlaceHolder 1"/>
+          <p:cNvPr id="20" name="PlaceHolder 1"/>
           <p:cNvSpPr>
             <a:spLocks noGrp="1"/>
           </p:cNvSpPr>
@@ -1531,18 +1465,16 @@
         <p:txBody>
           <a:bodyPr lIns="0" rIns="0" tIns="0" bIns="0" anchor="ctr"/>
           <a:p>
-            <a:endParaRPr b="0" lang="en-US" sz="1800" spc="-1" strike="noStrike">
-              <a:solidFill>
-                <a:srgbClr val="000000"/>
-              </a:solidFill>
-              <a:latin typeface="Garamond"/>
-            </a:endParaRPr>
-          </a:p>
-        </p:txBody>
-      </p:sp>
-      <p:sp>
-        <p:nvSpPr>
-          <p:cNvPr id="24" name="PlaceHolder 2"/>
+            <a:pPr algn="ctr"/>
+            <a:endParaRPr b="0" lang="uk-UA" sz="4400" spc="-1" strike="noStrike">
+              <a:latin typeface="Arial"/>
+            </a:endParaRPr>
+          </a:p>
+        </p:txBody>
+      </p:sp>
+      <p:sp>
+        <p:nvSpPr>
+          <p:cNvPr id="21" name="PlaceHolder 2"/>
           <p:cNvSpPr>
             <a:spLocks noGrp="1"/>
           </p:cNvSpPr>
@@ -1564,18 +1496,15 @@
             <a:normAutofit/>
           </a:bodyPr>
           <a:p>
-            <a:endParaRPr b="0" lang="en-US" sz="2400" spc="-1" strike="noStrike">
-              <a:solidFill>
-                <a:srgbClr val="262626"/>
-              </a:solidFill>
-              <a:latin typeface="Garamond"/>
-            </a:endParaRPr>
-          </a:p>
-        </p:txBody>
-      </p:sp>
-      <p:sp>
-        <p:nvSpPr>
-          <p:cNvPr id="25" name="PlaceHolder 3"/>
+            <a:endParaRPr b="0" lang="uk-UA" sz="3200" spc="-1" strike="noStrike">
+              <a:latin typeface="Arial"/>
+            </a:endParaRPr>
+          </a:p>
+        </p:txBody>
+      </p:sp>
+      <p:sp>
+        <p:nvSpPr>
+          <p:cNvPr id="22" name="PlaceHolder 3"/>
           <p:cNvSpPr>
             <a:spLocks noGrp="1"/>
           </p:cNvSpPr>
@@ -1597,18 +1526,15 @@
             <a:normAutofit/>
           </a:bodyPr>
           <a:p>
-            <a:endParaRPr b="0" lang="en-US" sz="2400" spc="-1" strike="noStrike">
-              <a:solidFill>
-                <a:srgbClr val="262626"/>
-              </a:solidFill>
-              <a:latin typeface="Garamond"/>
-            </a:endParaRPr>
-          </a:p>
-        </p:txBody>
-      </p:sp>
-      <p:sp>
-        <p:nvSpPr>
-          <p:cNvPr id="26" name="PlaceHolder 4"/>
+            <a:endParaRPr b="0" lang="uk-UA" sz="3200" spc="-1" strike="noStrike">
+              <a:latin typeface="Arial"/>
+            </a:endParaRPr>
+          </a:p>
+        </p:txBody>
+      </p:sp>
+      <p:sp>
+        <p:nvSpPr>
+          <p:cNvPr id="23" name="PlaceHolder 4"/>
           <p:cNvSpPr>
             <a:spLocks noGrp="1"/>
           </p:cNvSpPr>
@@ -1630,11 +1556,8 @@
             <a:normAutofit/>
           </a:bodyPr>
           <a:p>
-            <a:endParaRPr b="0" lang="en-US" sz="2400" spc="-1" strike="noStrike">
-              <a:solidFill>
-                <a:srgbClr val="262626"/>
-              </a:solidFill>
-              <a:latin typeface="Garamond"/>
+            <a:endParaRPr b="0" lang="uk-UA" sz="3200" spc="-1" strike="noStrike">
+              <a:latin typeface="Arial"/>
             </a:endParaRPr>
           </a:p>
         </p:txBody>
@@ -1663,7 +1586,7 @@
       </p:grpSpPr>
       <p:sp>
         <p:nvSpPr>
-          <p:cNvPr id="27" name="PlaceHolder 1"/>
+          <p:cNvPr id="24" name="PlaceHolder 1"/>
           <p:cNvSpPr>
             <a:spLocks noGrp="1"/>
           </p:cNvSpPr>
@@ -1683,18 +1606,16 @@
         <p:txBody>
           <a:bodyPr lIns="0" rIns="0" tIns="0" bIns="0" anchor="ctr"/>
           <a:p>
-            <a:endParaRPr b="0" lang="en-US" sz="1800" spc="-1" strike="noStrike">
-              <a:solidFill>
-                <a:srgbClr val="000000"/>
-              </a:solidFill>
-              <a:latin typeface="Garamond"/>
-            </a:endParaRPr>
-          </a:p>
-        </p:txBody>
-      </p:sp>
-      <p:sp>
-        <p:nvSpPr>
-          <p:cNvPr id="28" name="PlaceHolder 2"/>
+            <a:pPr algn="ctr"/>
+            <a:endParaRPr b="0" lang="uk-UA" sz="4400" spc="-1" strike="noStrike">
+              <a:latin typeface="Arial"/>
+            </a:endParaRPr>
+          </a:p>
+        </p:txBody>
+      </p:sp>
+      <p:sp>
+        <p:nvSpPr>
+          <p:cNvPr id="25" name="PlaceHolder 2"/>
           <p:cNvSpPr>
             <a:spLocks noGrp="1"/>
           </p:cNvSpPr>
@@ -1716,18 +1637,15 @@
             <a:normAutofit/>
           </a:bodyPr>
           <a:p>
-            <a:endParaRPr b="0" lang="en-US" sz="2400" spc="-1" strike="noStrike">
-              <a:solidFill>
-                <a:srgbClr val="262626"/>
-              </a:solidFill>
-              <a:latin typeface="Garamond"/>
-            </a:endParaRPr>
-          </a:p>
-        </p:txBody>
-      </p:sp>
-      <p:sp>
-        <p:nvSpPr>
-          <p:cNvPr id="29" name="PlaceHolder 3"/>
+            <a:endParaRPr b="0" lang="uk-UA" sz="3200" spc="-1" strike="noStrike">
+              <a:latin typeface="Arial"/>
+            </a:endParaRPr>
+          </a:p>
+        </p:txBody>
+      </p:sp>
+      <p:sp>
+        <p:nvSpPr>
+          <p:cNvPr id="26" name="PlaceHolder 3"/>
           <p:cNvSpPr>
             <a:spLocks noGrp="1"/>
           </p:cNvSpPr>
@@ -1749,18 +1667,15 @@
             <a:normAutofit/>
           </a:bodyPr>
           <a:p>
-            <a:endParaRPr b="0" lang="en-US" sz="2400" spc="-1" strike="noStrike">
-              <a:solidFill>
-                <a:srgbClr val="262626"/>
-              </a:solidFill>
-              <a:latin typeface="Garamond"/>
-            </a:endParaRPr>
-          </a:p>
-        </p:txBody>
-      </p:sp>
-      <p:sp>
-        <p:nvSpPr>
-          <p:cNvPr id="30" name="PlaceHolder 4"/>
+            <a:endParaRPr b="0" lang="uk-UA" sz="3200" spc="-1" strike="noStrike">
+              <a:latin typeface="Arial"/>
+            </a:endParaRPr>
+          </a:p>
+        </p:txBody>
+      </p:sp>
+      <p:sp>
+        <p:nvSpPr>
+          <p:cNvPr id="27" name="PlaceHolder 4"/>
           <p:cNvSpPr>
             <a:spLocks noGrp="1"/>
           </p:cNvSpPr>
@@ -1782,11 +1697,8 @@
             <a:normAutofit/>
           </a:bodyPr>
           <a:p>
-            <a:endParaRPr b="0" lang="en-US" sz="2400" spc="-1" strike="noStrike">
-              <a:solidFill>
-                <a:srgbClr val="262626"/>
-              </a:solidFill>
-              <a:latin typeface="Garamond"/>
+            <a:endParaRPr b="0" lang="uk-UA" sz="3200" spc="-1" strike="noStrike">
+              <a:latin typeface="Arial"/>
             </a:endParaRPr>
           </a:p>
         </p:txBody>
@@ -1832,9 +1744,9 @@
         <p:grpSpPr>
           <a:xfrm>
             <a:off x="-15840" y="0"/>
-            <a:ext cx="12229560" cy="6855840"/>
+            <a:ext cx="12228840" cy="6855120"/>
             <a:chOff x="-15840" y="0"/>
-            <a:chExt cx="12229560" cy="6855840"/>
+            <a:chExt cx="12228840" cy="6855120"/>
           </a:xfrm>
         </p:grpSpPr>
         <p:pic>
@@ -1850,7 +1762,7 @@
           <p:spPr>
             <a:xfrm>
               <a:off x="0" y="0"/>
-              <a:ext cx="12188520" cy="6855840"/>
+              <a:ext cx="12187800" cy="6855120"/>
             </a:xfrm>
             <a:prstGeom prst="rect">
               <a:avLst/>
@@ -1869,13 +1781,16 @@
           <p:spPr>
             <a:xfrm>
               <a:off x="608040" y="609480"/>
-              <a:ext cx="10972440" cy="5638320"/>
+              <a:ext cx="10971720" cy="5637600"/>
             </a:xfrm>
             <a:prstGeom prst="rect">
               <a:avLst/>
             </a:prstGeom>
             <a:noFill/>
             <a:ln w="15840">
+              <a:solidFill>
+                <a:srgbClr val="829826"/>
+              </a:solidFill>
               <a:miter/>
             </a:ln>
             <a:effectLst>
@@ -1912,7 +1827,7 @@
           <p:spPr>
             <a:xfrm>
               <a:off x="-15840" y="3153960"/>
-              <a:ext cx="776880" cy="606240"/>
+              <a:ext cx="776160" cy="605520"/>
             </a:xfrm>
             <a:prstGeom prst="rect">
               <a:avLst/>
@@ -1935,7 +1850,7 @@
           <p:spPr>
             <a:xfrm>
               <a:off x="11436840" y="3153960"/>
-              <a:ext cx="776880" cy="606240"/>
+              <a:ext cx="776160" cy="605520"/>
             </a:xfrm>
             <a:prstGeom prst="rect">
               <a:avLst/>
@@ -1953,118 +1868,6 @@
             <a:spLocks noGrp="1"/>
           </p:cNvSpPr>
           <p:nvPr>
-            <p:ph type="dt"/>
-          </p:nvPr>
-        </p:nvSpPr>
-        <p:spPr>
-          <a:xfrm>
-            <a:off x="8677440" y="5969160"/>
-            <a:ext cx="1599840" cy="279000"/>
-          </a:xfrm>
-          <a:prstGeom prst="rect">
-            <a:avLst/>
-          </a:prstGeom>
-        </p:spPr>
-        <p:txBody>
-          <a:bodyPr anchor="ctr"/>
-          <a:p>
-            <a:pPr algn="r">
-              <a:lnSpc>
-                <a:spcPct val="100000"/>
-              </a:lnSpc>
-            </a:pPr>
-            <a:fld id="{3708023E-A43B-4FDF-A4CA-58DFC59ACE20}" type="datetime">
-              <a:rPr b="0" lang="uk-UA" sz="1000" spc="-1" strike="noStrike">
-                <a:solidFill>
-                  <a:srgbClr val="000000"/>
-                </a:solidFill>
-                <a:latin typeface="Garamond"/>
-              </a:rPr>
-              <a:t>7.5.20</a:t>
-            </a:fld>
-            <a:endParaRPr b="0" lang="uk-UA" sz="1000" spc="-1" strike="noStrike">
-              <a:latin typeface="Times New Roman"/>
-            </a:endParaRPr>
-          </a:p>
-        </p:txBody>
-      </p:sp>
-      <p:sp>
-        <p:nvSpPr>
-          <p:cNvPr id="6" name="PlaceHolder 4"/>
-          <p:cNvSpPr>
-            <a:spLocks noGrp="1"/>
-          </p:cNvSpPr>
-          <p:nvPr>
-            <p:ph type="ftr"/>
-          </p:nvPr>
-        </p:nvSpPr>
-        <p:spPr>
-          <a:xfrm>
-            <a:off x="1295280" y="5969160"/>
-            <a:ext cx="7305480" cy="279000"/>
-          </a:xfrm>
-          <a:prstGeom prst="rect">
-            <a:avLst/>
-          </a:prstGeom>
-        </p:spPr>
-        <p:txBody>
-          <a:bodyPr anchor="ctr"/>
-          <a:p>
-            <a:endParaRPr b="0" lang="uk-UA" sz="2400" spc="-1" strike="noStrike">
-              <a:latin typeface="Times New Roman"/>
-            </a:endParaRPr>
-          </a:p>
-        </p:txBody>
-      </p:sp>
-      <p:sp>
-        <p:nvSpPr>
-          <p:cNvPr id="7" name="PlaceHolder 5"/>
-          <p:cNvSpPr>
-            <a:spLocks noGrp="1"/>
-          </p:cNvSpPr>
-          <p:nvPr>
-            <p:ph type="sldNum"/>
-          </p:nvPr>
-        </p:nvSpPr>
-        <p:spPr>
-          <a:xfrm>
-            <a:off x="10353960" y="5969160"/>
-            <a:ext cx="542160" cy="279000"/>
-          </a:xfrm>
-          <a:prstGeom prst="rect">
-            <a:avLst/>
-          </a:prstGeom>
-        </p:spPr>
-        <p:txBody>
-          <a:bodyPr anchor="ctr"/>
-          <a:p>
-            <a:pPr algn="r">
-              <a:lnSpc>
-                <a:spcPct val="100000"/>
-              </a:lnSpc>
-            </a:pPr>
-            <a:fld id="{90C80A1B-3AD4-4A73-AF4B-28B53FB27024}" type="slidenum">
-              <a:rPr b="0" lang="uk-UA" sz="1000" spc="-1" strike="noStrike">
-                <a:solidFill>
-                  <a:srgbClr val="000000"/>
-                </a:solidFill>
-                <a:latin typeface="Garamond"/>
-              </a:rPr>
-              <a:t>&lt;number&gt;</a:t>
-            </a:fld>
-            <a:endParaRPr b="0" lang="uk-UA" sz="1000" spc="-1" strike="noStrike">
-              <a:latin typeface="Times New Roman"/>
-            </a:endParaRPr>
-          </a:p>
-        </p:txBody>
-      </p:sp>
-      <p:sp>
-        <p:nvSpPr>
-          <p:cNvPr id="8" name="PlaceHolder 6"/>
-          <p:cNvSpPr>
-            <a:spLocks noGrp="1"/>
-          </p:cNvSpPr>
-          <p:nvPr>
             <p:ph type="title"/>
           </p:nvPr>
         </p:nvSpPr>
@@ -2080,27 +1883,22 @@
         <p:txBody>
           <a:bodyPr lIns="0" rIns="0" tIns="0" bIns="0" anchor="ctr"/>
           <a:p>
-            <a:r>
-              <a:rPr b="0" lang="en-US" sz="1800" spc="-1" strike="noStrike">
-                <a:solidFill>
-                  <a:srgbClr val="000000"/>
-                </a:solidFill>
-                <a:latin typeface="Garamond"/>
+            <a:pPr algn="ctr"/>
+            <a:r>
+              <a:rPr b="0" lang="uk-UA" sz="4400" spc="-1" strike="noStrike">
+                <a:latin typeface="Arial"/>
               </a:rPr>
               <a:t>Click to edit the title text format</a:t>
             </a:r>
-            <a:endParaRPr b="0" lang="en-US" sz="1800" spc="-1" strike="noStrike">
-              <a:solidFill>
-                <a:srgbClr val="000000"/>
-              </a:solidFill>
-              <a:latin typeface="Garamond"/>
-            </a:endParaRPr>
-          </a:p>
-        </p:txBody>
-      </p:sp>
-      <p:sp>
-        <p:nvSpPr>
-          <p:cNvPr id="9" name="PlaceHolder 7"/>
+            <a:endParaRPr b="0" lang="uk-UA" sz="4400" spc="-1" strike="noStrike">
+              <a:latin typeface="Arial"/>
+            </a:endParaRPr>
+          </a:p>
+        </p:txBody>
+      </p:sp>
+      <p:sp>
+        <p:nvSpPr>
+          <p:cNvPr id="6" name="PlaceHolder 4"/>
           <p:cNvSpPr>
             <a:spLocks noGrp="1"/>
           </p:cNvSpPr>
@@ -2134,19 +1932,13 @@
               <a:buChar char=""/>
             </a:pPr>
             <a:r>
-              <a:rPr b="0" lang="en-US" sz="2400" spc="-1" strike="noStrike">
-                <a:solidFill>
-                  <a:srgbClr val="262626"/>
-                </a:solidFill>
-                <a:latin typeface="Garamond"/>
+              <a:rPr b="0" lang="uk-UA" sz="3200" spc="-1" strike="noStrike">
+                <a:latin typeface="Arial"/>
               </a:rPr>
               <a:t>Click to edit the outline text format</a:t>
             </a:r>
-            <a:endParaRPr b="0" lang="en-US" sz="2400" spc="-1" strike="noStrike">
-              <a:solidFill>
-                <a:srgbClr val="262626"/>
-              </a:solidFill>
-              <a:latin typeface="Garamond"/>
+            <a:endParaRPr b="0" lang="uk-UA" sz="3200" spc="-1" strike="noStrike">
+              <a:latin typeface="Arial"/>
             </a:endParaRPr>
           </a:p>
           <a:p>
@@ -2162,19 +1954,13 @@
               <a:buChar char=""/>
             </a:pPr>
             <a:r>
-              <a:rPr b="0" lang="en-US" sz="1800" spc="-1" strike="noStrike">
-                <a:solidFill>
-                  <a:srgbClr val="262626"/>
-                </a:solidFill>
-                <a:latin typeface="Garamond"/>
+              <a:rPr b="0" lang="uk-UA" sz="2800" spc="-1" strike="noStrike">
+                <a:latin typeface="Arial"/>
               </a:rPr>
               <a:t>Second Outline Level</a:t>
             </a:r>
-            <a:endParaRPr b="0" lang="en-US" sz="1800" spc="-1" strike="noStrike">
-              <a:solidFill>
-                <a:srgbClr val="262626"/>
-              </a:solidFill>
-              <a:latin typeface="Garamond"/>
+            <a:endParaRPr b="0" lang="uk-UA" sz="2800" spc="-1" strike="noStrike">
+              <a:latin typeface="Arial"/>
             </a:endParaRPr>
           </a:p>
           <a:p>
@@ -2190,19 +1976,13 @@
               <a:buChar char=""/>
             </a:pPr>
             <a:r>
-              <a:rPr b="0" lang="en-US" sz="1600" spc="-1" strike="noStrike">
-                <a:solidFill>
-                  <a:srgbClr val="262626"/>
-                </a:solidFill>
-                <a:latin typeface="Garamond"/>
+              <a:rPr b="0" lang="uk-UA" sz="2400" spc="-1" strike="noStrike">
+                <a:latin typeface="Arial"/>
               </a:rPr>
               <a:t>Third Outline Level</a:t>
             </a:r>
-            <a:endParaRPr b="0" lang="en-US" sz="1600" spc="-1" strike="noStrike">
-              <a:solidFill>
-                <a:srgbClr val="262626"/>
-              </a:solidFill>
-              <a:latin typeface="Garamond"/>
+            <a:endParaRPr b="0" lang="uk-UA" sz="2400" spc="-1" strike="noStrike">
+              <a:latin typeface="Arial"/>
             </a:endParaRPr>
           </a:p>
           <a:p>
@@ -2218,19 +1998,13 @@
               <a:buChar char=""/>
             </a:pPr>
             <a:r>
-              <a:rPr b="0" lang="en-US" sz="1400" spc="-1" strike="noStrike">
-                <a:solidFill>
-                  <a:srgbClr val="262626"/>
-                </a:solidFill>
-                <a:latin typeface="Garamond"/>
+              <a:rPr b="0" lang="uk-UA" sz="2000" spc="-1" strike="noStrike">
+                <a:latin typeface="Arial"/>
               </a:rPr>
               <a:t>Fourth Outline Level</a:t>
             </a:r>
-            <a:endParaRPr b="0" lang="en-US" sz="1400" spc="-1" strike="noStrike">
-              <a:solidFill>
-                <a:srgbClr val="262626"/>
-              </a:solidFill>
-              <a:latin typeface="Garamond"/>
+            <a:endParaRPr b="0" lang="uk-UA" sz="2000" spc="-1" strike="noStrike">
+              <a:latin typeface="Arial"/>
             </a:endParaRPr>
           </a:p>
           <a:p>
@@ -2246,19 +2020,13 @@
               <a:buChar char=""/>
             </a:pPr>
             <a:r>
-              <a:rPr b="0" lang="en-US" sz="2000" spc="-1" strike="noStrike">
-                <a:solidFill>
-                  <a:srgbClr val="262626"/>
-                </a:solidFill>
-                <a:latin typeface="Garamond"/>
+              <a:rPr b="0" lang="uk-UA" sz="2000" spc="-1" strike="noStrike">
+                <a:latin typeface="Arial"/>
               </a:rPr>
               <a:t>Fifth Outline Level</a:t>
             </a:r>
-            <a:endParaRPr b="0" lang="en-US" sz="2000" spc="-1" strike="noStrike">
-              <a:solidFill>
-                <a:srgbClr val="262626"/>
-              </a:solidFill>
-              <a:latin typeface="Garamond"/>
+            <a:endParaRPr b="0" lang="uk-UA" sz="2000" spc="-1" strike="noStrike">
+              <a:latin typeface="Arial"/>
             </a:endParaRPr>
           </a:p>
           <a:p>
@@ -2274,19 +2042,13 @@
               <a:buChar char=""/>
             </a:pPr>
             <a:r>
-              <a:rPr b="0" lang="en-US" sz="2000" spc="-1" strike="noStrike">
-                <a:solidFill>
-                  <a:srgbClr val="262626"/>
-                </a:solidFill>
-                <a:latin typeface="Garamond"/>
+              <a:rPr b="0" lang="uk-UA" sz="2000" spc="-1" strike="noStrike">
+                <a:latin typeface="Arial"/>
               </a:rPr>
               <a:t>Sixth Outline Level</a:t>
             </a:r>
-            <a:endParaRPr b="0" lang="en-US" sz="2000" spc="-1" strike="noStrike">
-              <a:solidFill>
-                <a:srgbClr val="262626"/>
-              </a:solidFill>
-              <a:latin typeface="Garamond"/>
+            <a:endParaRPr b="0" lang="uk-UA" sz="2000" spc="-1" strike="noStrike">
+              <a:latin typeface="Arial"/>
             </a:endParaRPr>
           </a:p>
           <a:p>
@@ -2302,19 +2064,13 @@
               <a:buChar char=""/>
             </a:pPr>
             <a:r>
-              <a:rPr b="0" lang="en-US" sz="2000" spc="-1" strike="noStrike">
-                <a:solidFill>
-                  <a:srgbClr val="262626"/>
-                </a:solidFill>
-                <a:latin typeface="Garamond"/>
+              <a:rPr b="0" lang="uk-UA" sz="2000" spc="-1" strike="noStrike">
+                <a:latin typeface="Arial"/>
               </a:rPr>
               <a:t>Seventh Outline Level</a:t>
             </a:r>
-            <a:endParaRPr b="0" lang="en-US" sz="2000" spc="-1" strike="noStrike">
-              <a:solidFill>
-                <a:srgbClr val="262626"/>
-              </a:solidFill>
-              <a:latin typeface="Garamond"/>
+            <a:endParaRPr b="0" lang="uk-UA" sz="2000" spc="-1" strike="noStrike">
+              <a:latin typeface="Arial"/>
             </a:endParaRPr>
           </a:p>
         </p:txBody>
@@ -2358,14 +2114,14 @@
       </p:grpSpPr>
       <p:sp>
         <p:nvSpPr>
-          <p:cNvPr id="52" name="CustomShape 1"/>
+          <p:cNvPr id="49" name="CustomShape 1"/>
           <p:cNvSpPr/>
           <p:nvPr/>
         </p:nvSpPr>
         <p:spPr>
           <a:xfrm>
             <a:off x="2688840" y="648000"/>
-            <a:ext cx="6815160" cy="1515240"/>
+            <a:ext cx="6814440" cy="1514520"/>
           </a:xfrm>
           <a:prstGeom prst="rect">
             <a:avLst/>
@@ -2395,6 +2151,7 @@
                   <a:srgbClr val="262626"/>
                 </a:solidFill>
                 <a:latin typeface="Georgia"/>
+                <a:ea typeface="DejaVu Sans"/>
               </a:rPr>
               <a:t>КИЇВСЬКИЙ НАЦІОНАЛЬНИЙ УНІВЕРСИТЕТ</a:t>
             </a:r>
@@ -2405,6 +2162,7 @@
                   <a:srgbClr val="262626"/>
                 </a:solidFill>
                 <a:latin typeface="Georgia"/>
+                <a:ea typeface="DejaVu Sans"/>
               </a:rPr>
               <a:t>ІМЕНІ ТАРАСА ШЕВЧЕНКА</a:t>
             </a:r>
@@ -2415,6 +2173,7 @@
                   <a:srgbClr val="262626"/>
                 </a:solidFill>
                 <a:latin typeface="Georgia"/>
+                <a:ea typeface="DejaVu Sans"/>
               </a:rPr>
               <a:t>Факультет комп’ютерних наук та кібернетики</a:t>
             </a:r>
@@ -2425,6 +2184,7 @@
                   <a:srgbClr val="262626"/>
                 </a:solidFill>
                 <a:latin typeface="Georgia"/>
+                <a:ea typeface="DejaVu Sans"/>
               </a:rPr>
               <a:t>Кафедра інтелектуальних програмних систем</a:t>
             </a:r>
@@ -2445,6 +2205,7 @@
                   <a:srgbClr val="262626"/>
                 </a:solidFill>
                 <a:latin typeface="Georgia"/>
+                <a:ea typeface="DejaVu Sans"/>
               </a:rPr>
               <a:t>Випускна квалiфiкацiна робота бакалавра</a:t>
             </a:r>
@@ -2455,6 +2216,7 @@
                   <a:srgbClr val="262626"/>
                 </a:solidFill>
                 <a:latin typeface="Georgia"/>
+                <a:ea typeface="DejaVu Sans"/>
               </a:rPr>
               <a:t>за спеціальністю 121 Інженерія програмного забезпечення</a:t>
             </a:r>
@@ -2465,6 +2227,7 @@
                   <a:srgbClr val="262626"/>
                 </a:solidFill>
                 <a:latin typeface="Georgia"/>
+                <a:ea typeface="DejaVu Sans"/>
               </a:rPr>
               <a:t>на тему</a:t>
             </a:r>
@@ -2475,6 +2238,7 @@
                   <a:srgbClr val="262626"/>
                 </a:solidFill>
                 <a:latin typeface="Georgia"/>
+                <a:ea typeface="DejaVu Sans"/>
               </a:rPr>
               <a:t>Реалізація програмного забезпечення для вичитування даних символьних пристроїв та їх передачі на сервер через GPRS/GSM зв’язок  </a:t>
             </a:r>
@@ -2486,14 +2250,14 @@
       </p:sp>
       <p:sp>
         <p:nvSpPr>
-          <p:cNvPr id="53" name="CustomShape 2"/>
+          <p:cNvPr id="50" name="CustomShape 2"/>
           <p:cNvSpPr/>
           <p:nvPr/>
         </p:nvSpPr>
         <p:spPr>
           <a:xfrm>
             <a:off x="1799640" y="4300200"/>
-            <a:ext cx="9522360" cy="1820520"/>
+            <a:ext cx="9521640" cy="1819800"/>
           </a:xfrm>
           <a:prstGeom prst="rect">
             <a:avLst/>
@@ -2529,6 +2293,7 @@
                   <a:srgbClr val="792d26"/>
                 </a:solidFill>
                 <a:latin typeface="Times New Roman"/>
+                <a:ea typeface="DejaVu Sans"/>
               </a:rPr>
               <a:t>ВИКОНАВ СТУДЕНТ 4-ГО КУРСУ</a:t>
             </a:r>
@@ -2554,6 +2319,7 @@
                   <a:srgbClr val="792d26"/>
                 </a:solidFill>
                 <a:latin typeface="Times New Roman"/>
+                <a:ea typeface="DejaVu Sans"/>
               </a:rPr>
               <a:t>ОПАНЮК МИКИТА ІГОРОВИЧ</a:t>
             </a:r>
@@ -2579,6 +2345,7 @@
                   <a:srgbClr val="792d26"/>
                 </a:solidFill>
                 <a:latin typeface="Times New Roman"/>
+                <a:ea typeface="DejaVu Sans"/>
               </a:rPr>
               <a:t>НАУКОВИЙ КЕРІВНИК:</a:t>
             </a:r>
@@ -2587,7 +2354,7 @@
             </a:endParaRPr>
           </a:p>
           <a:p>
-            <a:pPr marL="285840" indent="-285480" algn="r">
+            <a:pPr marL="285840" indent="-284760" algn="r">
               <a:lnSpc>
                 <a:spcPct val="100000"/>
               </a:lnSpc>
@@ -2610,6 +2377,7 @@
                   <a:srgbClr val="792d26"/>
                 </a:solidFill>
                 <a:latin typeface="Times New Roman"/>
+                <a:ea typeface="DejaVu Sans"/>
               </a:rPr>
               <a:t>ДОЦЕНТ, КАНДИДАТ ФІЗИКО-МАТЕМАТИЧНИХ НАУК</a:t>
             </a:r>
@@ -2618,7 +2386,7 @@
             </a:endParaRPr>
           </a:p>
           <a:p>
-            <a:pPr marL="285840" indent="-285480" algn="r">
+            <a:pPr marL="285840" indent="-284760" algn="r">
               <a:lnSpc>
                 <a:spcPct val="100000"/>
               </a:lnSpc>
@@ -2641,6 +2409,7 @@
                   <a:srgbClr val="792d26"/>
                 </a:solidFill>
                 <a:latin typeface="Times New Roman"/>
+                <a:ea typeface="DejaVu Sans"/>
               </a:rPr>
               <a:t>ГАЛКІН ОЛЕКСАНДР ВОЛОДИМИРОВИЧ</a:t>
             </a:r>
@@ -2652,14 +2421,14 @@
       </p:sp>
       <p:sp>
         <p:nvSpPr>
-          <p:cNvPr id="54" name="TextShape 3"/>
-          <p:cNvSpPr txBox="1"/>
+          <p:cNvPr id="51" name="CustomShape 3"/>
+          <p:cNvSpPr/>
           <p:nvPr/>
         </p:nvSpPr>
         <p:spPr>
           <a:xfrm>
             <a:off x="9900360" y="6459840"/>
-            <a:ext cx="1311840" cy="364680"/>
+            <a:ext cx="1311120" cy="363960"/>
           </a:xfrm>
           <a:prstGeom prst="rect">
             <a:avLst/>
@@ -2669,25 +2438,32 @@
             <a:noFill/>
           </a:ln>
         </p:spPr>
-        <p:txBody>
-          <a:bodyPr anchor="ctr"/>
+        <p:style>
+          <a:lnRef idx="0"/>
+          <a:fillRef idx="0"/>
+          <a:effectRef idx="0"/>
+          <a:fontRef idx="minor"/>
+        </p:style>
+        <p:txBody>
+          <a:bodyPr lIns="90000" rIns="90000" tIns="45000" bIns="45000" anchor="ctr"/>
           <a:p>
             <a:pPr algn="r">
               <a:lnSpc>
                 <a:spcPct val="100000"/>
               </a:lnSpc>
             </a:pPr>
-            <a:fld id="{91EAEA50-CCE3-4BE0-82D7-B36916EE7350}" type="slidenum">
+            <a:fld id="{35AF13C7-3E82-4F04-8551-197FB5BB2CBE}" type="slidenum">
               <a:rPr b="0" lang="uk-UA" sz="3200" spc="-1" strike="noStrike">
                 <a:solidFill>
                   <a:srgbClr val="000000"/>
                 </a:solidFill>
                 <a:latin typeface="Times New Roman"/>
+                <a:ea typeface="DejaVu Sans"/>
               </a:rPr>
               <a:t>1</a:t>
             </a:fld>
             <a:endParaRPr b="0" lang="uk-UA" sz="3200" spc="-1" strike="noStrike">
-              <a:latin typeface="Times New Roman"/>
+              <a:latin typeface="Arial"/>
             </a:endParaRPr>
           </a:p>
         </p:txBody>
@@ -2741,9 +2517,60 @@
           <a:chExt cx="0" cy="0"/>
         </a:xfrm>
       </p:grpSpPr>
+      <p:sp>
+        <p:nvSpPr>
+          <p:cNvPr id="89" name="CustomShape 1"/>
+          <p:cNvSpPr/>
+          <p:nvPr/>
+        </p:nvSpPr>
+        <p:spPr>
+          <a:xfrm>
+            <a:off x="1097280" y="648000"/>
+            <a:ext cx="10057320" cy="1449720"/>
+          </a:xfrm>
+          <a:prstGeom prst="rect">
+            <a:avLst/>
+          </a:prstGeom>
+          <a:noFill/>
+          <a:ln>
+            <a:noFill/>
+          </a:ln>
+        </p:spPr>
+        <p:style>
+          <a:lnRef idx="0"/>
+          <a:fillRef idx="0"/>
+          <a:effectRef idx="0"/>
+          <a:fontRef idx="minor"/>
+        </p:style>
+        <p:txBody>
+          <a:bodyPr lIns="90000" rIns="90000" tIns="45000" bIns="45000">
+            <a:normAutofit/>
+          </a:bodyPr>
+          <a:p>
+            <a:pPr algn="ctr">
+              <a:lnSpc>
+                <a:spcPct val="100000"/>
+              </a:lnSpc>
+            </a:pPr>
+            <a:r>
+              <a:rPr b="0" lang="uk-UA" sz="4400" spc="-1" strike="noStrike">
+                <a:solidFill>
+                  <a:srgbClr val="262626"/>
+                </a:solidFill>
+                <a:latin typeface="Times New Roman"/>
+                <a:ea typeface="DejaVu Sans"/>
+              </a:rPr>
+              <a:t>Архітектура програмної частини</a:t>
+            </a:r>
+            <a:endParaRPr b="0" lang="uk-UA" sz="4400" spc="-1" strike="noStrike">
+              <a:latin typeface="Arial"/>
+            </a:endParaRPr>
+          </a:p>
+        </p:txBody>
+      </p:sp>
       <p:pic>
         <p:nvPicPr>
-          <p:cNvPr id="91" name="Picture 1" descr=""/>
+          <p:cNvPr id="90" name="" descr=""/>
           <p:cNvPicPr/>
           <p:nvPr/>
         </p:nvPicPr>
@@ -2752,9 +2579,9 @@
           <a:stretch/>
         </p:blipFill>
         <p:spPr>
-          <a:xfrm>
-            <a:off x="5958360" y="1698120"/>
-            <a:ext cx="4912560" cy="4371840"/>
+          <a:xfrm rot="21586200">
+            <a:off x="1162080" y="1378800"/>
+            <a:ext cx="9699120" cy="4793400"/>
           </a:xfrm>
           <a:prstGeom prst="rect">
             <a:avLst/>
@@ -2764,249 +2591,6 @@
           </a:ln>
         </p:spPr>
       </p:pic>
-      <p:sp>
-        <p:nvSpPr>
-          <p:cNvPr id="92" name="CustomShape 1"/>
-          <p:cNvSpPr/>
-          <p:nvPr/>
-        </p:nvSpPr>
-        <p:spPr>
-          <a:xfrm>
-            <a:off x="1066680" y="518760"/>
-            <a:ext cx="10058040" cy="830520"/>
-          </a:xfrm>
-          <a:prstGeom prst="rect">
-            <a:avLst/>
-          </a:prstGeom>
-          <a:noFill/>
-          <a:ln>
-            <a:noFill/>
-          </a:ln>
-        </p:spPr>
-        <p:style>
-          <a:lnRef idx="0"/>
-          <a:fillRef idx="0"/>
-          <a:effectRef idx="0"/>
-          <a:fontRef idx="minor"/>
-        </p:style>
-        <p:txBody>
-          <a:bodyPr lIns="90000" rIns="90000" tIns="45000" bIns="45000"/>
-          <a:p>
-            <a:pPr algn="ctr">
-              <a:lnSpc>
-                <a:spcPct val="100000"/>
-              </a:lnSpc>
-            </a:pPr>
-            <a:r>
-              <a:rPr b="0" lang="uk-UA" sz="4400" spc="-1" strike="noStrike">
-                <a:solidFill>
-                  <a:srgbClr val="262626"/>
-                </a:solidFill>
-                <a:latin typeface="Times New Roman"/>
-              </a:rPr>
-              <a:t>Процес надсилання пакетів</a:t>
-            </a:r>
-            <a:endParaRPr b="0" lang="uk-UA" sz="4400" spc="-1" strike="noStrike">
-              <a:latin typeface="Arial"/>
-            </a:endParaRPr>
-          </a:p>
-        </p:txBody>
-      </p:sp>
-      <p:sp>
-        <p:nvSpPr>
-          <p:cNvPr id="93" name="CustomShape 2"/>
-          <p:cNvSpPr/>
-          <p:nvPr/>
-        </p:nvSpPr>
-        <p:spPr>
-          <a:xfrm>
-            <a:off x="1066680" y="1453320"/>
-            <a:ext cx="4753080" cy="4616640"/>
-          </a:xfrm>
-          <a:prstGeom prst="rect">
-            <a:avLst/>
-          </a:prstGeom>
-          <a:noFill/>
-          <a:ln>
-            <a:noFill/>
-          </a:ln>
-        </p:spPr>
-        <p:style>
-          <a:lnRef idx="0"/>
-          <a:fillRef idx="0"/>
-          <a:effectRef idx="0"/>
-          <a:fontRef idx="minor"/>
-        </p:style>
-        <p:txBody>
-          <a:bodyPr lIns="90000" rIns="90000" tIns="45000" bIns="45000"/>
-          <a:p>
-            <a:pPr marL="285840" indent="-285480">
-              <a:lnSpc>
-                <a:spcPct val="100000"/>
-              </a:lnSpc>
-              <a:spcBef>
-                <a:spcPts val="519"/>
-              </a:spcBef>
-              <a:spcAft>
-                <a:spcPts val="601"/>
-              </a:spcAft>
-              <a:buClr>
-                <a:srgbClr val="83992a"/>
-              </a:buClr>
-              <a:buSzPct val="115000"/>
-              <a:buFont typeface="Arial"/>
-              <a:buChar char="•"/>
-            </a:pPr>
-            <a:r>
-              <a:rPr b="0" lang="uk-UA" sz="2600" spc="-1" strike="noStrike">
-                <a:solidFill>
-                  <a:srgbClr val="262626"/>
-                </a:solidFill>
-                <a:latin typeface="Times New Roman"/>
-              </a:rPr>
-              <a:t>Модем та сервер-обробник повинні вміти обробляти помилку втрати сигналу.</a:t>
-            </a:r>
-            <a:endParaRPr b="0" lang="uk-UA" sz="2600" spc="-1" strike="noStrike">
-              <a:latin typeface="Arial"/>
-            </a:endParaRPr>
-          </a:p>
-          <a:p>
-            <a:pPr marL="285840" indent="-285480">
-              <a:lnSpc>
-                <a:spcPct val="100000"/>
-              </a:lnSpc>
-              <a:spcBef>
-                <a:spcPts val="519"/>
-              </a:spcBef>
-              <a:spcAft>
-                <a:spcPts val="601"/>
-              </a:spcAft>
-              <a:buClr>
-                <a:srgbClr val="83992a"/>
-              </a:buClr>
-              <a:buSzPct val="115000"/>
-              <a:buFont typeface="Arial"/>
-              <a:buChar char="•"/>
-            </a:pPr>
-            <a:r>
-              <a:rPr b="0" lang="uk-UA" sz="2600" spc="-1" strike="noStrike">
-                <a:solidFill>
-                  <a:srgbClr val="262626"/>
-                </a:solidFill>
-                <a:latin typeface="Times New Roman"/>
-              </a:rPr>
-              <a:t>Пакети будуть передаватися на через SFTP або HTTP протокол.</a:t>
-            </a:r>
-            <a:endParaRPr b="0" lang="uk-UA" sz="2600" spc="-1" strike="noStrike">
-              <a:latin typeface="Arial"/>
-            </a:endParaRPr>
-          </a:p>
-          <a:p>
-            <a:pPr marL="285840" indent="-285480">
-              <a:lnSpc>
-                <a:spcPct val="100000"/>
-              </a:lnSpc>
-              <a:spcBef>
-                <a:spcPts val="519"/>
-              </a:spcBef>
-              <a:spcAft>
-                <a:spcPts val="601"/>
-              </a:spcAft>
-              <a:buClr>
-                <a:srgbClr val="83992a"/>
-              </a:buClr>
-              <a:buSzPct val="115000"/>
-              <a:buFont typeface="Arial"/>
-              <a:buChar char="•"/>
-            </a:pPr>
-            <a:r>
-              <a:rPr b="0" lang="uk-UA" sz="2600" spc="-1" strike="noStrike">
-                <a:solidFill>
-                  <a:srgbClr val="262626"/>
-                </a:solidFill>
-                <a:latin typeface="Times New Roman"/>
-              </a:rPr>
-              <a:t>Плата-котролер повинна виконувати захищене підключення до сервера.</a:t>
-            </a:r>
-            <a:endParaRPr b="0" lang="uk-UA" sz="2600" spc="-1" strike="noStrike">
-              <a:latin typeface="Arial"/>
-            </a:endParaRPr>
-          </a:p>
-        </p:txBody>
-      </p:sp>
-      <p:sp>
-        <p:nvSpPr>
-          <p:cNvPr id="94" name="Line 3"/>
-          <p:cNvSpPr/>
-          <p:nvPr/>
-        </p:nvSpPr>
-        <p:spPr>
-          <a:xfrm>
-            <a:off x="1066680" y="1349640"/>
-            <a:ext cx="10058400" cy="360"/>
-          </a:xfrm>
-          <a:prstGeom prst="line">
-            <a:avLst/>
-          </a:prstGeom>
-          <a:ln w="9360">
-            <a:solidFill>
-              <a:schemeClr val="dk1"/>
-            </a:solidFill>
-            <a:custDash>
-              <a:ds d="500000" sp="400000"/>
-            </a:custDash>
-            <a:round/>
-          </a:ln>
-        </p:spPr>
-        <p:style>
-          <a:lnRef idx="0"/>
-          <a:fillRef idx="0"/>
-          <a:effectRef idx="0"/>
-          <a:fontRef idx="minor"/>
-        </p:style>
-      </p:sp>
-      <p:sp>
-        <p:nvSpPr>
-          <p:cNvPr id="95" name="TextShape 4"/>
-          <p:cNvSpPr txBox="1"/>
-          <p:nvPr/>
-        </p:nvSpPr>
-        <p:spPr>
-          <a:xfrm>
-            <a:off x="9900360" y="6459840"/>
-            <a:ext cx="1311840" cy="364680"/>
-          </a:xfrm>
-          <a:prstGeom prst="rect">
-            <a:avLst/>
-          </a:prstGeom>
-          <a:noFill/>
-          <a:ln>
-            <a:noFill/>
-          </a:ln>
-        </p:spPr>
-        <p:txBody>
-          <a:bodyPr anchor="ctr"/>
-          <a:p>
-            <a:pPr algn="r">
-              <a:lnSpc>
-                <a:spcPct val="100000"/>
-              </a:lnSpc>
-            </a:pPr>
-            <a:fld id="{87399902-64D0-42D9-9A00-FC4F43D43D2F}" type="slidenum">
-              <a:rPr b="0" lang="uk-UA" sz="3200" spc="-1" strike="noStrike">
-                <a:solidFill>
-                  <a:srgbClr val="000000"/>
-                </a:solidFill>
-                <a:latin typeface="Times New Roman"/>
-              </a:rPr>
-              <a:t>1</a:t>
-            </a:fld>
-            <a:endParaRPr b="0" lang="uk-UA" sz="3200" spc="-1" strike="noStrike">
-              <a:latin typeface="Times New Roman"/>
-            </a:endParaRPr>
-          </a:p>
-        </p:txBody>
-      </p:sp>
     </p:spTree>
   </p:cSld>
   <p:timing>
@@ -3058,14 +2642,14 @@
       </p:grpSpPr>
       <p:sp>
         <p:nvSpPr>
-          <p:cNvPr id="96" name="CustomShape 1"/>
+          <p:cNvPr id="91" name="CustomShape 1"/>
           <p:cNvSpPr/>
           <p:nvPr/>
         </p:nvSpPr>
         <p:spPr>
           <a:xfrm>
             <a:off x="1066680" y="446400"/>
-            <a:ext cx="10058040" cy="816120"/>
+            <a:ext cx="10057320" cy="815400"/>
           </a:xfrm>
           <a:prstGeom prst="rect">
             <a:avLst/>
@@ -3095,6 +2679,7 @@
                   <a:srgbClr val="262626"/>
                 </a:solidFill>
                 <a:latin typeface="Times New Roman"/>
+                <a:ea typeface="DejaVu Sans"/>
               </a:rPr>
               <a:t>Використані технології</a:t>
             </a:r>
@@ -3106,14 +2691,14 @@
       </p:sp>
       <p:sp>
         <p:nvSpPr>
-          <p:cNvPr id="97" name="CustomShape 2"/>
+          <p:cNvPr id="92" name="CustomShape 2"/>
           <p:cNvSpPr/>
           <p:nvPr/>
         </p:nvSpPr>
         <p:spPr>
           <a:xfrm>
             <a:off x="1097280" y="1417320"/>
-            <a:ext cx="10058040" cy="4023000"/>
+            <a:ext cx="10057320" cy="4022280"/>
           </a:xfrm>
           <a:prstGeom prst="rect">
             <a:avLst/>
@@ -3146,20 +2731,21 @@
               </a:spcAft>
             </a:pPr>
             <a:r>
-              <a:rPr b="0" lang="uk-UA" sz="2400" spc="-1" strike="noStrike">
-                <a:solidFill>
-                  <a:srgbClr val="262626"/>
-                </a:solidFill>
-                <a:latin typeface="Times New Roman"/>
+              <a:rPr b="0" lang="uk-UA" sz="2600" spc="-1" strike="noStrike">
+                <a:solidFill>
+                  <a:srgbClr val="262626"/>
+                </a:solidFill>
+                <a:latin typeface="Times New Roman"/>
+                <a:ea typeface="DejaVu Sans"/>
               </a:rPr>
               <a:t>Для розробки описаної системи були використані:</a:t>
             </a:r>
-            <a:endParaRPr b="0" lang="uk-UA" sz="2400" spc="-1" strike="noStrike">
-              <a:latin typeface="Arial"/>
-            </a:endParaRPr>
-          </a:p>
-          <a:p>
-            <a:pPr lvl="1" marL="743040" indent="-285480">
+            <a:endParaRPr b="0" lang="uk-UA" sz="2600" spc="-1" strike="noStrike">
+              <a:latin typeface="Arial"/>
+            </a:endParaRPr>
+          </a:p>
+          <a:p>
+            <a:pPr lvl="1" marL="743040" indent="-284760">
               <a:lnSpc>
                 <a:spcPct val="100000"/>
               </a:lnSpc>
@@ -3177,29 +2763,31 @@
               <a:buChar char="•"/>
             </a:pPr>
             <a:r>
-              <a:rPr b="0" lang="uk-UA" sz="2400" spc="-1" strike="noStrike">
-                <a:solidFill>
-                  <a:srgbClr val="262626"/>
-                </a:solidFill>
-                <a:latin typeface="Times New Roman"/>
-              </a:rPr>
-              <a:t>Мова програмування C під Linux.</a:t>
-            </a:r>
-            <a:r>
-              <a:rPr b="0" lang="uk-UA" sz="2400" spc="-1" strike="noStrike">
-                <a:solidFill>
-                  <a:srgbClr val="262626"/>
-                </a:solidFill>
-                <a:latin typeface="Times New Roman"/>
+              <a:rPr b="0" lang="uk-UA" sz="2600" spc="-1" strike="noStrike">
+                <a:solidFill>
+                  <a:srgbClr val="262626"/>
+                </a:solidFill>
+                <a:latin typeface="Times New Roman"/>
+                <a:ea typeface="DejaVu Sans"/>
+              </a:rPr>
+              <a:t>Мова програмування C.</a:t>
+            </a:r>
+            <a:r>
+              <a:rPr b="0" lang="uk-UA" sz="2600" spc="-1" strike="noStrike">
+                <a:solidFill>
+                  <a:srgbClr val="262626"/>
+                </a:solidFill>
+                <a:latin typeface="Times New Roman"/>
+                <a:ea typeface="DejaVu Sans"/>
               </a:rPr>
               <a:t>	</a:t>
             </a:r>
-            <a:endParaRPr b="0" lang="uk-UA" sz="2400" spc="-1" strike="noStrike">
-              <a:latin typeface="Arial"/>
-            </a:endParaRPr>
-          </a:p>
-          <a:p>
-            <a:pPr lvl="1" marL="743040" indent="-285480">
+            <a:endParaRPr b="0" lang="uk-UA" sz="2600" spc="-1" strike="noStrike">
+              <a:latin typeface="Arial"/>
+            </a:endParaRPr>
+          </a:p>
+          <a:p>
+            <a:pPr lvl="1" marL="743040" indent="-284760">
               <a:lnSpc>
                 <a:spcPct val="100000"/>
               </a:lnSpc>
@@ -3217,20 +2805,21 @@
               <a:buChar char="•"/>
             </a:pPr>
             <a:r>
-              <a:rPr b="0" lang="uk-UA" sz="2400" spc="-1" strike="noStrike">
-                <a:solidFill>
-                  <a:srgbClr val="262626"/>
-                </a:solidFill>
-                <a:latin typeface="Times New Roman"/>
+              <a:rPr b="0" lang="uk-UA" sz="2600" spc="-1" strike="noStrike">
+                <a:solidFill>
+                  <a:srgbClr val="262626"/>
+                </a:solidFill>
+                <a:latin typeface="Times New Roman"/>
+                <a:ea typeface="DejaVu Sans"/>
               </a:rPr>
               <a:t>Написання скриптів на основі командної оболонки bash.</a:t>
             </a:r>
-            <a:endParaRPr b="0" lang="uk-UA" sz="2400" spc="-1" strike="noStrike">
-              <a:latin typeface="Arial"/>
-            </a:endParaRPr>
-          </a:p>
-          <a:p>
-            <a:pPr lvl="1" marL="743040" indent="-285480">
+            <a:endParaRPr b="0" lang="uk-UA" sz="2600" spc="-1" strike="noStrike">
+              <a:latin typeface="Arial"/>
+            </a:endParaRPr>
+          </a:p>
+          <a:p>
+            <a:pPr lvl="1" marL="743040" indent="-284760">
               <a:lnSpc>
                 <a:spcPct val="100000"/>
               </a:lnSpc>
@@ -3248,20 +2837,21 @@
               <a:buChar char="•"/>
             </a:pPr>
             <a:r>
-              <a:rPr b="0" lang="uk-UA" sz="2400" spc="-1" strike="noStrike">
-                <a:solidFill>
-                  <a:srgbClr val="262626"/>
-                </a:solidFill>
-                <a:latin typeface="Times New Roman"/>
+              <a:rPr b="0" lang="uk-UA" sz="2600" spc="-1" strike="noStrike">
+                <a:solidFill>
+                  <a:srgbClr val="262626"/>
+                </a:solidFill>
+                <a:latin typeface="Times New Roman"/>
+                <a:ea typeface="DejaVu Sans"/>
               </a:rPr>
               <a:t>Середовище розробки Eclipse.</a:t>
             </a:r>
-            <a:endParaRPr b="0" lang="uk-UA" sz="2400" spc="-1" strike="noStrike">
-              <a:latin typeface="Arial"/>
-            </a:endParaRPr>
-          </a:p>
-          <a:p>
-            <a:pPr lvl="1" marL="743040" indent="-285480">
+            <a:endParaRPr b="0" lang="uk-UA" sz="2600" spc="-1" strike="noStrike">
+              <a:latin typeface="Arial"/>
+            </a:endParaRPr>
+          </a:p>
+          <a:p>
+            <a:pPr lvl="1" marL="743040" indent="-284760">
               <a:lnSpc>
                 <a:spcPct val="100000"/>
               </a:lnSpc>
@@ -3279,20 +2869,21 @@
               <a:buChar char="•"/>
             </a:pPr>
             <a:r>
-              <a:rPr b="0" lang="uk-UA" sz="2400" spc="-1" strike="noStrike">
-                <a:solidFill>
-                  <a:srgbClr val="262626"/>
-                </a:solidFill>
-                <a:latin typeface="Times New Roman"/>
+              <a:rPr b="0" lang="uk-UA" sz="2600" spc="-1" strike="noStrike">
+                <a:solidFill>
+                  <a:srgbClr val="262626"/>
+                </a:solidFill>
+                <a:latin typeface="Times New Roman"/>
+                <a:ea typeface="DejaVu Sans"/>
               </a:rPr>
               <a:t>Текстовий редактор Vim.</a:t>
             </a:r>
-            <a:endParaRPr b="0" lang="uk-UA" sz="2400" spc="-1" strike="noStrike">
-              <a:latin typeface="Arial"/>
-            </a:endParaRPr>
-          </a:p>
-          <a:p>
-            <a:pPr lvl="1" marL="743040" indent="-285480">
+            <a:endParaRPr b="0" lang="uk-UA" sz="2600" spc="-1" strike="noStrike">
+              <a:latin typeface="Arial"/>
+            </a:endParaRPr>
+          </a:p>
+          <a:p>
+            <a:pPr lvl="1" marL="743040" indent="-284760">
               <a:lnSpc>
                 <a:spcPct val="100000"/>
               </a:lnSpc>
@@ -3310,23 +2901,56 @@
               <a:buChar char="•"/>
             </a:pPr>
             <a:r>
-              <a:rPr b="0" lang="uk-UA" sz="2400" spc="-1" strike="noStrike">
-                <a:solidFill>
-                  <a:srgbClr val="262626"/>
-                </a:solidFill>
-                <a:latin typeface="Times New Roman"/>
-              </a:rPr>
-              <a:t>LibreOffice Calc для створення тестових даних і графіків порівняння використання різних підходів.</a:t>
-            </a:r>
-            <a:endParaRPr b="0" lang="uk-UA" sz="2400" spc="-1" strike="noStrike">
-              <a:latin typeface="Arial"/>
-            </a:endParaRPr>
-          </a:p>
-        </p:txBody>
-      </p:sp>
-      <p:sp>
-        <p:nvSpPr>
-          <p:cNvPr id="98" name="Line 3"/>
+              <a:rPr b="0" lang="uk-UA" sz="2600" spc="-1" strike="noStrike">
+                <a:solidFill>
+                  <a:srgbClr val="262626"/>
+                </a:solidFill>
+                <a:latin typeface="Times New Roman"/>
+                <a:ea typeface="DejaVu Sans"/>
+              </a:rPr>
+              <a:t>Інструментарій Yocto Project</a:t>
+            </a:r>
+            <a:endParaRPr b="0" lang="uk-UA" sz="2600" spc="-1" strike="noStrike">
+              <a:latin typeface="Arial"/>
+            </a:endParaRPr>
+          </a:p>
+          <a:p>
+            <a:pPr lvl="1" marL="743040" indent="-284760">
+              <a:lnSpc>
+                <a:spcPct val="100000"/>
+              </a:lnSpc>
+              <a:spcBef>
+                <a:spcPts val="479"/>
+              </a:spcBef>
+              <a:spcAft>
+                <a:spcPts val="601"/>
+              </a:spcAft>
+              <a:buClr>
+                <a:srgbClr val="83992a"/>
+              </a:buClr>
+              <a:buSzPct val="115000"/>
+              <a:buFont typeface="Arial"/>
+              <a:buChar char="•"/>
+            </a:pPr>
+            <a:r>
+              <a:rPr b="0" lang="uk-UA" sz="2600" spc="-1" strike="noStrike">
+                <a:solidFill>
+                  <a:srgbClr val="262626"/>
+                </a:solidFill>
+                <a:latin typeface="Times New Roman"/>
+                <a:ea typeface="DejaVu Sans"/>
+              </a:rPr>
+              <a:t>OpenSSH</a:t>
+            </a:r>
+            <a:endParaRPr b="0" lang="uk-UA" sz="2600" spc="-1" strike="noStrike">
+              <a:latin typeface="Arial"/>
+            </a:endParaRPr>
+          </a:p>
+        </p:txBody>
+      </p:sp>
+      <p:sp>
+        <p:nvSpPr>
+          <p:cNvPr id="93" name="Line 3"/>
           <p:cNvSpPr/>
           <p:nvPr/>
         </p:nvSpPr>
@@ -3338,12 +2962,12 @@
           <a:prstGeom prst="line">
             <a:avLst/>
           </a:prstGeom>
-          <a:ln w="9360">
+          <a:ln cap="rnd" w="9360">
             <a:solidFill>
               <a:schemeClr val="dk1"/>
             </a:solidFill>
             <a:custDash>
-              <a:ds d="500000" sp="400000"/>
+              <a:ds d="800000" sp="600000"/>
             </a:custDash>
             <a:round/>
           </a:ln>
@@ -3357,14 +2981,14 @@
       </p:sp>
       <p:sp>
         <p:nvSpPr>
-          <p:cNvPr id="99" name="TextShape 4"/>
-          <p:cNvSpPr txBox="1"/>
+          <p:cNvPr id="94" name="CustomShape 4"/>
+          <p:cNvSpPr/>
           <p:nvPr/>
         </p:nvSpPr>
         <p:spPr>
           <a:xfrm>
             <a:off x="9900360" y="6459840"/>
-            <a:ext cx="1311840" cy="364680"/>
+            <a:ext cx="1311120" cy="363960"/>
           </a:xfrm>
           <a:prstGeom prst="rect">
             <a:avLst/>
@@ -3374,25 +2998,32 @@
             <a:noFill/>
           </a:ln>
         </p:spPr>
-        <p:txBody>
-          <a:bodyPr anchor="ctr"/>
+        <p:style>
+          <a:lnRef idx="0"/>
+          <a:fillRef idx="0"/>
+          <a:effectRef idx="0"/>
+          <a:fontRef idx="minor"/>
+        </p:style>
+        <p:txBody>
+          <a:bodyPr lIns="90000" rIns="90000" tIns="45000" bIns="45000" anchor="ctr"/>
           <a:p>
             <a:pPr algn="r">
               <a:lnSpc>
                 <a:spcPct val="100000"/>
               </a:lnSpc>
             </a:pPr>
-            <a:fld id="{8D45C3B8-3CCB-44E3-9F4D-A885D374525D}" type="slidenum">
+            <a:fld id="{C19D8C7D-4397-4EB1-B0CD-78E43D7702DD}" type="slidenum">
               <a:rPr b="0" lang="uk-UA" sz="3200" spc="-1" strike="noStrike">
                 <a:solidFill>
                   <a:srgbClr val="000000"/>
                 </a:solidFill>
                 <a:latin typeface="Times New Roman"/>
+                <a:ea typeface="DejaVu Sans"/>
               </a:rPr>
               <a:t>1</a:t>
             </a:fld>
             <a:endParaRPr b="0" lang="uk-UA" sz="3200" spc="-1" strike="noStrike">
-              <a:latin typeface="Times New Roman"/>
+              <a:latin typeface="Arial"/>
             </a:endParaRPr>
           </a:p>
         </p:txBody>
@@ -3448,7 +3079,7 @@
       </p:grpSpPr>
       <p:sp>
         <p:nvSpPr>
-          <p:cNvPr id="100" name="Line 1"/>
+          <p:cNvPr id="95" name="Line 1"/>
           <p:cNvSpPr/>
           <p:nvPr/>
         </p:nvSpPr>
@@ -3460,12 +3091,12 @@
           <a:prstGeom prst="line">
             <a:avLst/>
           </a:prstGeom>
-          <a:ln w="9360">
+          <a:ln cap="rnd" w="9360">
             <a:solidFill>
               <a:schemeClr val="dk1"/>
             </a:solidFill>
             <a:custDash>
-              <a:ds d="500000" sp="400000"/>
+              <a:ds d="800000" sp="600000"/>
             </a:custDash>
             <a:round/>
           </a:ln>
@@ -3479,14 +3110,14 @@
       </p:sp>
       <p:sp>
         <p:nvSpPr>
-          <p:cNvPr id="101" name="CustomShape 2"/>
+          <p:cNvPr id="96" name="CustomShape 2"/>
           <p:cNvSpPr/>
           <p:nvPr/>
         </p:nvSpPr>
         <p:spPr>
           <a:xfrm>
             <a:off x="1066680" y="489960"/>
-            <a:ext cx="10058040" cy="859680"/>
+            <a:ext cx="10057320" cy="858960"/>
           </a:xfrm>
           <a:prstGeom prst="rect">
             <a:avLst/>
@@ -3516,6 +3147,7 @@
                   <a:srgbClr val="262626"/>
                 </a:solidFill>
                 <a:latin typeface="Times New Roman"/>
+                <a:ea typeface="DejaVu Sans"/>
               </a:rPr>
               <a:t>Висновки</a:t>
             </a:r>
@@ -3527,14 +3159,14 @@
       </p:sp>
       <p:sp>
         <p:nvSpPr>
-          <p:cNvPr id="102" name="CustomShape 3"/>
+          <p:cNvPr id="97" name="CustomShape 3"/>
           <p:cNvSpPr/>
           <p:nvPr/>
         </p:nvSpPr>
         <p:spPr>
           <a:xfrm>
             <a:off x="1097280" y="1845720"/>
-            <a:ext cx="10058040" cy="4023000"/>
+            <a:ext cx="10057320" cy="4022280"/>
           </a:xfrm>
           <a:prstGeom prst="rect">
             <a:avLst/>
@@ -3555,7 +3187,7 @@
             <a:normAutofit/>
           </a:bodyPr>
           <a:p>
-            <a:pPr marL="457200" indent="-456840">
+            <a:pPr marL="216000" indent="-215640">
               <a:lnSpc>
                 <a:spcPct val="100000"/>
               </a:lnSpc>
@@ -3566,11 +3198,10 @@
                 <a:spcPts val="601"/>
               </a:spcAft>
               <a:buClr>
-                <a:srgbClr val="83992a"/>
+                <a:srgbClr val="000000"/>
               </a:buClr>
-              <a:buSzPct val="115000"/>
-              <a:buFont typeface="Garamond"/>
-              <a:buAutoNum type="arabicPeriod"/>
+              <a:buFont typeface="StarSymbol"/>
+              <a:buAutoNum type="arabicParenR"/>
             </a:pPr>
             <a:r>
               <a:rPr b="0" lang="uk-UA" sz="2400" spc="-1" strike="noStrike">
@@ -3578,15 +3209,26 @@
                   <a:srgbClr val="262626"/>
                 </a:solidFill>
                 <a:latin typeface="Times New Roman"/>
-              </a:rPr>
-              <a:t>Розглянуто особливості побудови системи передачі даних через GPRS/GSM підключення.</a:t>
+                <a:ea typeface="DejaVu Sans"/>
+              </a:rPr>
+              <a:t> </a:t>
+            </a:r>
+            <a:r>
+              <a:rPr b="0" lang="uk-UA" sz="2400" spc="-1" strike="noStrike">
+                <a:solidFill>
+                  <a:srgbClr val="262626"/>
+                </a:solidFill>
+                <a:latin typeface="Times New Roman"/>
+                <a:ea typeface="DejaVu Sans"/>
+              </a:rPr>
+              <a:t>Проведено порівняння різних апаратних імплементацій для знаходження найбільш раціонального рішення.</a:t>
             </a:r>
             <a:endParaRPr b="0" lang="uk-UA" sz="2400" spc="-1" strike="noStrike">
               <a:latin typeface="Arial"/>
             </a:endParaRPr>
           </a:p>
           <a:p>
-            <a:pPr marL="457200" indent="-456840">
+            <a:pPr marL="216000" indent="-215640">
               <a:lnSpc>
                 <a:spcPct val="100000"/>
               </a:lnSpc>
@@ -3597,11 +3239,10 @@
                 <a:spcPts val="601"/>
               </a:spcAft>
               <a:buClr>
-                <a:srgbClr val="83992a"/>
+                <a:srgbClr val="000000"/>
               </a:buClr>
-              <a:buSzPct val="115000"/>
-              <a:buFont typeface="Garamond"/>
-              <a:buAutoNum type="arabicPeriod"/>
+              <a:buFont typeface="StarSymbol"/>
+              <a:buAutoNum type="arabicParenR"/>
             </a:pPr>
             <a:r>
               <a:rPr b="0" lang="uk-UA" sz="2400" spc="-1" strike="noStrike">
@@ -3609,15 +3250,26 @@
                   <a:srgbClr val="262626"/>
                 </a:solidFill>
                 <a:latin typeface="Times New Roman"/>
-              </a:rPr>
-              <a:t>Проаналізовано можливості операційної системи Linux для реалізації програмних рішень для обробки даних з датчиків та передачі даних в зашифрованому вигляді на модем.</a:t>
+                <a:ea typeface="DejaVu Sans"/>
+              </a:rPr>
+              <a:t> </a:t>
+            </a:r>
+            <a:r>
+              <a:rPr b="0" lang="uk-UA" sz="2400" spc="-1" strike="noStrike">
+                <a:solidFill>
+                  <a:srgbClr val="262626"/>
+                </a:solidFill>
+                <a:latin typeface="Times New Roman"/>
+                <a:ea typeface="DejaVu Sans"/>
+              </a:rPr>
+              <a:t>Проаналізовано можливості операційної системи Linux та Yocto Project інструментарію для роботи з дистрибутивами.</a:t>
             </a:r>
             <a:endParaRPr b="0" lang="uk-UA" sz="2400" spc="-1" strike="noStrike">
               <a:latin typeface="Arial"/>
             </a:endParaRPr>
           </a:p>
           <a:p>
-            <a:pPr marL="457200" indent="-456840">
+            <a:pPr marL="216000" indent="-215640">
               <a:lnSpc>
                 <a:spcPct val="100000"/>
               </a:lnSpc>
@@ -3628,11 +3280,10 @@
                 <a:spcPts val="601"/>
               </a:spcAft>
               <a:buClr>
-                <a:srgbClr val="83992a"/>
+                <a:srgbClr val="000000"/>
               </a:buClr>
-              <a:buSzPct val="115000"/>
-              <a:buFont typeface="Garamond"/>
-              <a:buAutoNum type="arabicPeriod"/>
+              <a:buFont typeface="StarSymbol"/>
+              <a:buAutoNum type="arabicParenR"/>
             </a:pPr>
             <a:r>
               <a:rPr b="0" lang="uk-UA" sz="2400" spc="-1" strike="noStrike">
@@ -3640,15 +3291,26 @@
                   <a:srgbClr val="262626"/>
                 </a:solidFill>
                 <a:latin typeface="Times New Roman"/>
-              </a:rPr>
-              <a:t>Розглянуто особливості реалізації апаратної частини системи з врахування навколишніх чинників та потреб.</a:t>
+                <a:ea typeface="DejaVu Sans"/>
+              </a:rPr>
+              <a:t> </a:t>
+            </a:r>
+            <a:r>
+              <a:rPr b="0" lang="uk-UA" sz="2400" spc="-1" strike="noStrike">
+                <a:solidFill>
+                  <a:srgbClr val="262626"/>
+                </a:solidFill>
+                <a:latin typeface="Times New Roman"/>
+                <a:ea typeface="DejaVu Sans"/>
+              </a:rPr>
+              <a:t>Розглянуто особливості реалізації драйверів під ОС Linux, реалізовано набір драйверів для роботи з матричною клавіатурою, датчиком DHT11. </a:t>
             </a:r>
             <a:endParaRPr b="0" lang="uk-UA" sz="2400" spc="-1" strike="noStrike">
               <a:latin typeface="Arial"/>
             </a:endParaRPr>
           </a:p>
           <a:p>
-            <a:pPr marL="457200" indent="-456840">
+            <a:pPr marL="216000" indent="-215640">
               <a:lnSpc>
                 <a:spcPct val="100000"/>
               </a:lnSpc>
@@ -3659,11 +3321,10 @@
                 <a:spcPts val="601"/>
               </a:spcAft>
               <a:buClr>
-                <a:srgbClr val="83992a"/>
+                <a:srgbClr val="000000"/>
               </a:buClr>
-              <a:buSzPct val="115000"/>
-              <a:buFont typeface="Garamond"/>
-              <a:buAutoNum type="arabicPeriod"/>
+              <a:buFont typeface="StarSymbol"/>
+              <a:buAutoNum type="arabicParenR"/>
             </a:pPr>
             <a:r>
               <a:rPr b="0" lang="uk-UA" sz="2400" spc="-1" strike="noStrike">
@@ -3671,57 +3332,36 @@
                   <a:srgbClr val="262626"/>
                 </a:solidFill>
                 <a:latin typeface="Times New Roman"/>
-              </a:rPr>
-              <a:t>Проведено порівняння різних апаратних та програмних імплементацій для знаходження найбільш раціонального рішення.</a:t>
+                <a:ea typeface="DejaVu Sans"/>
+              </a:rPr>
+              <a:t> </a:t>
+            </a:r>
+            <a:r>
+              <a:rPr b="0" lang="uk-UA" sz="2400" spc="-1" strike="noStrike">
+                <a:solidFill>
+                  <a:srgbClr val="262626"/>
+                </a:solidFill>
+                <a:latin typeface="Times New Roman"/>
+                <a:ea typeface="DejaVu Sans"/>
+              </a:rPr>
+              <a:t>Реалізована клієнтська частина для налаштування PPP протоколу для взаємодії між BBB та модулем SIM800, а також для створення SSH сесії для передачі інформації через SCP протокол.</a:t>
             </a:r>
             <a:endParaRPr b="0" lang="uk-UA" sz="2400" spc="-1" strike="noStrike">
               <a:latin typeface="Arial"/>
             </a:endParaRPr>
           </a:p>
-          <a:p>
-            <a:pPr>
-              <a:lnSpc>
-                <a:spcPct val="100000"/>
-              </a:lnSpc>
-              <a:spcBef>
-                <a:spcPts val="479"/>
-              </a:spcBef>
-              <a:spcAft>
-                <a:spcPts val="601"/>
-              </a:spcAft>
-            </a:pPr>
-            <a:endParaRPr b="0" lang="uk-UA" sz="2400" spc="-1" strike="noStrike">
-              <a:latin typeface="Arial"/>
-            </a:endParaRPr>
-          </a:p>
-          <a:p>
-            <a:pPr>
-              <a:lnSpc>
-                <a:spcPct val="100000"/>
-              </a:lnSpc>
-              <a:spcBef>
-                <a:spcPts val="479"/>
-              </a:spcBef>
-              <a:spcAft>
-                <a:spcPts val="601"/>
-              </a:spcAft>
-            </a:pPr>
-            <a:endParaRPr b="0" lang="uk-UA" sz="2400" spc="-1" strike="noStrike">
-              <a:latin typeface="Arial"/>
-            </a:endParaRPr>
-          </a:p>
-        </p:txBody>
-      </p:sp>
-      <p:sp>
-        <p:nvSpPr>
-          <p:cNvPr id="103" name="TextShape 4"/>
-          <p:cNvSpPr txBox="1"/>
+        </p:txBody>
+      </p:sp>
+      <p:sp>
+        <p:nvSpPr>
+          <p:cNvPr id="98" name="CustomShape 4"/>
+          <p:cNvSpPr/>
           <p:nvPr/>
         </p:nvSpPr>
         <p:spPr>
           <a:xfrm>
             <a:off x="9900360" y="6459840"/>
-            <a:ext cx="1311840" cy="364680"/>
+            <a:ext cx="1311120" cy="363960"/>
           </a:xfrm>
           <a:prstGeom prst="rect">
             <a:avLst/>
@@ -3731,25 +3371,32 @@
             <a:noFill/>
           </a:ln>
         </p:spPr>
-        <p:txBody>
-          <a:bodyPr anchor="ctr"/>
+        <p:style>
+          <a:lnRef idx="0"/>
+          <a:fillRef idx="0"/>
+          <a:effectRef idx="0"/>
+          <a:fontRef idx="minor"/>
+        </p:style>
+        <p:txBody>
+          <a:bodyPr lIns="90000" rIns="90000" tIns="45000" bIns="45000" anchor="ctr"/>
           <a:p>
             <a:pPr algn="r">
               <a:lnSpc>
                 <a:spcPct val="100000"/>
               </a:lnSpc>
             </a:pPr>
-            <a:fld id="{4E176723-8C6C-4511-A710-B0D89F802603}" type="slidenum">
+            <a:fld id="{B450BD5C-BBF3-4CF1-9DCD-53DF35591460}" type="slidenum">
               <a:rPr b="0" lang="uk-UA" sz="3200" spc="-1" strike="noStrike">
                 <a:solidFill>
                   <a:srgbClr val="000000"/>
                 </a:solidFill>
                 <a:latin typeface="Times New Roman"/>
+                <a:ea typeface="DejaVu Sans"/>
               </a:rPr>
               <a:t>1</a:t>
             </a:fld>
             <a:endParaRPr b="0" lang="uk-UA" sz="3200" spc="-1" strike="noStrike">
-              <a:latin typeface="Times New Roman"/>
+              <a:latin typeface="Arial"/>
             </a:endParaRPr>
           </a:p>
         </p:txBody>
@@ -3805,7 +3452,7 @@
       </p:grpSpPr>
       <p:sp>
         <p:nvSpPr>
-          <p:cNvPr id="104" name="Line 1"/>
+          <p:cNvPr id="99" name="Line 1"/>
           <p:cNvSpPr/>
           <p:nvPr/>
         </p:nvSpPr>
@@ -3817,12 +3464,12 @@
           <a:prstGeom prst="line">
             <a:avLst/>
           </a:prstGeom>
-          <a:ln w="9360">
+          <a:ln cap="rnd" w="9360">
             <a:solidFill>
               <a:schemeClr val="dk1"/>
             </a:solidFill>
             <a:custDash>
-              <a:ds d="500000" sp="400000"/>
+              <a:ds d="800000" sp="600000"/>
             </a:custDash>
             <a:round/>
           </a:ln>
@@ -3836,14 +3483,14 @@
       </p:sp>
       <p:sp>
         <p:nvSpPr>
-          <p:cNvPr id="105" name="CustomShape 2"/>
+          <p:cNvPr id="100" name="CustomShape 2"/>
           <p:cNvSpPr/>
           <p:nvPr/>
         </p:nvSpPr>
         <p:spPr>
           <a:xfrm>
             <a:off x="1066680" y="489960"/>
-            <a:ext cx="10058040" cy="859680"/>
+            <a:ext cx="10057320" cy="858960"/>
           </a:xfrm>
           <a:prstGeom prst="rect">
             <a:avLst/>
@@ -3873,6 +3520,7 @@
                   <a:srgbClr val="262626"/>
                 </a:solidFill>
                 <a:latin typeface="Times New Roman"/>
+                <a:ea typeface="DejaVu Sans"/>
               </a:rPr>
               <a:t>Подальші плани</a:t>
             </a:r>
@@ -3884,14 +3532,14 @@
       </p:sp>
       <p:sp>
         <p:nvSpPr>
-          <p:cNvPr id="106" name="CustomShape 3"/>
+          <p:cNvPr id="101" name="CustomShape 3"/>
           <p:cNvSpPr/>
           <p:nvPr/>
         </p:nvSpPr>
         <p:spPr>
           <a:xfrm>
             <a:off x="1097280" y="1845720"/>
-            <a:ext cx="10058040" cy="4023000"/>
+            <a:ext cx="10057320" cy="4022280"/>
           </a:xfrm>
           <a:prstGeom prst="rect">
             <a:avLst/>
@@ -3912,7 +3560,7 @@
             <a:normAutofit/>
           </a:bodyPr>
           <a:p>
-            <a:pPr marL="285840" indent="-285480">
+            <a:pPr marL="285840" indent="-284760">
               <a:lnSpc>
                 <a:spcPct val="100000"/>
               </a:lnSpc>
@@ -3935,15 +3583,16 @@
                   <a:srgbClr val="262626"/>
                 </a:solidFill>
                 <a:latin typeface="Times New Roman"/>
-              </a:rPr>
-              <a:t>Реалізація системи сповіщення контролю рівня живлення модему та плати-контролера. </a:t>
+                <a:ea typeface="DejaVu Sans"/>
+              </a:rPr>
+              <a:t>Реалізація системи сповіщення контролю рівня живлення, швидкості підключення, повідомлень про помилки в системі. </a:t>
             </a:r>
             <a:endParaRPr b="0" lang="uk-UA" sz="2400" spc="-1" strike="noStrike">
               <a:latin typeface="Arial"/>
             </a:endParaRPr>
           </a:p>
           <a:p>
-            <a:pPr marL="285840" indent="-285480">
+            <a:pPr marL="285840" indent="-284760">
               <a:lnSpc>
                 <a:spcPct val="100000"/>
               </a:lnSpc>
@@ -3966,15 +3615,16 @@
                   <a:srgbClr val="262626"/>
                 </a:solidFill>
                 <a:latin typeface="Times New Roman"/>
-              </a:rPr>
-              <a:t>Реалізація конфігурації системи при віддаленому підключені через GSM/GPRS (обробка команд, надісланих зі сторони сервера), вдосконалення інших можливостей системи.</a:t>
+                <a:ea typeface="DejaVu Sans"/>
+              </a:rPr>
+              <a:t>Реалізація конфігурації системи при віддаленому підключені через GSM/GPRS зі сторони сервера.</a:t>
             </a:r>
             <a:endParaRPr b="0" lang="uk-UA" sz="2400" spc="-1" strike="noStrike">
               <a:latin typeface="Arial"/>
             </a:endParaRPr>
           </a:p>
           <a:p>
-            <a:pPr marL="285840" indent="-285480">
+            <a:pPr marL="285840" indent="-284760">
               <a:lnSpc>
                 <a:spcPct val="100000"/>
               </a:lnSpc>
@@ -3997,6 +3647,7 @@
                   <a:srgbClr val="262626"/>
                 </a:solidFill>
                 <a:latin typeface="Times New Roman"/>
+                <a:ea typeface="DejaVu Sans"/>
               </a:rPr>
               <a:t>Розробка загальнодоступної та формальної технічної документації.</a:t>
             </a:r>
@@ -4005,7 +3656,7 @@
             </a:endParaRPr>
           </a:p>
           <a:p>
-            <a:pPr marL="285840" indent="-285480">
+            <a:pPr marL="285840" indent="-284760">
               <a:lnSpc>
                 <a:spcPct val="100000"/>
               </a:lnSpc>
@@ -4028,8 +3679,9 @@
                   <a:srgbClr val="262626"/>
                 </a:solidFill>
                 <a:latin typeface="Times New Roman"/>
-              </a:rPr>
-              <a:t>Активніша участь у командних проектах, заходах і конференціях, присвячених розвитку та розширенню області системного програмування.</a:t>
+                <a:ea typeface="DejaVu Sans"/>
+              </a:rPr>
+              <a:t>Активніша участь у командних проектах, заходах і конференціях, присвячених розвитку та розширенню області системного програмування та IoT напрямку.</a:t>
             </a:r>
             <a:endParaRPr b="0" lang="uk-UA" sz="2400" spc="-1" strike="noStrike">
               <a:latin typeface="Arial"/>
@@ -4055,14 +3707,14 @@
       </p:sp>
       <p:sp>
         <p:nvSpPr>
-          <p:cNvPr id="107" name="TextShape 4"/>
-          <p:cNvSpPr txBox="1"/>
+          <p:cNvPr id="102" name="CustomShape 4"/>
+          <p:cNvSpPr/>
           <p:nvPr/>
         </p:nvSpPr>
         <p:spPr>
           <a:xfrm>
             <a:off x="9900360" y="6459840"/>
-            <a:ext cx="1311840" cy="364680"/>
+            <a:ext cx="1311120" cy="363960"/>
           </a:xfrm>
           <a:prstGeom prst="rect">
             <a:avLst/>
@@ -4072,25 +3724,32 @@
             <a:noFill/>
           </a:ln>
         </p:spPr>
-        <p:txBody>
-          <a:bodyPr anchor="ctr"/>
+        <p:style>
+          <a:lnRef idx="0"/>
+          <a:fillRef idx="0"/>
+          <a:effectRef idx="0"/>
+          <a:fontRef idx="minor"/>
+        </p:style>
+        <p:txBody>
+          <a:bodyPr lIns="90000" rIns="90000" tIns="45000" bIns="45000" anchor="ctr"/>
           <a:p>
             <a:pPr algn="r">
               <a:lnSpc>
                 <a:spcPct val="100000"/>
               </a:lnSpc>
             </a:pPr>
-            <a:fld id="{68959476-BDA3-4CE6-8C42-3062597341DE}" type="slidenum">
+            <a:fld id="{0CFF12A8-AE79-486F-BA1A-355CA7E952FC}" type="slidenum">
               <a:rPr b="0" lang="uk-UA" sz="3200" spc="-1" strike="noStrike">
                 <a:solidFill>
                   <a:srgbClr val="000000"/>
                 </a:solidFill>
                 <a:latin typeface="Times New Roman"/>
+                <a:ea typeface="DejaVu Sans"/>
               </a:rPr>
               <a:t>1</a:t>
             </a:fld>
             <a:endParaRPr b="0" lang="uk-UA" sz="3200" spc="-1" strike="noStrike">
-              <a:latin typeface="Times New Roman"/>
+              <a:latin typeface="Arial"/>
             </a:endParaRPr>
           </a:p>
         </p:txBody>
@@ -4146,14 +3805,14 @@
       </p:grpSpPr>
       <p:sp>
         <p:nvSpPr>
-          <p:cNvPr id="108" name="CustomShape 1"/>
+          <p:cNvPr id="103" name="CustomShape 1"/>
           <p:cNvSpPr/>
           <p:nvPr/>
         </p:nvSpPr>
         <p:spPr>
           <a:xfrm>
             <a:off x="1066680" y="2980800"/>
-            <a:ext cx="10058040" cy="895680"/>
+            <a:ext cx="10057320" cy="894960"/>
           </a:xfrm>
           <a:prstGeom prst="rect">
             <a:avLst/>
@@ -4178,15 +3837,16 @@
               </a:lnSpc>
             </a:pPr>
             <a:r>
-              <a:rPr b="0" lang="uk-UA" sz="4400" spc="-1" strike="noStrike">
-                <a:solidFill>
-                  <a:srgbClr val="262626"/>
-                </a:solidFill>
-                <a:latin typeface="Times New Roman"/>
+              <a:rPr b="0" lang="uk-UA" sz="6000" spc="-1" strike="noStrike">
+                <a:solidFill>
+                  <a:srgbClr val="262626"/>
+                </a:solidFill>
+                <a:latin typeface="Times New Roman"/>
+                <a:ea typeface="DejaVu Sans"/>
               </a:rPr>
               <a:t>Дякую за увагу!</a:t>
             </a:r>
-            <a:endParaRPr b="0" lang="uk-UA" sz="4400" spc="-1" strike="noStrike">
+            <a:endParaRPr b="0" lang="uk-UA" sz="6000" spc="-1" strike="noStrike">
               <a:latin typeface="Arial"/>
             </a:endParaRPr>
           </a:p>
@@ -4243,14 +3903,14 @@
       </p:grpSpPr>
       <p:sp>
         <p:nvSpPr>
-          <p:cNvPr id="55" name="CustomShape 1"/>
+          <p:cNvPr id="52" name="CustomShape 1"/>
           <p:cNvSpPr/>
           <p:nvPr/>
         </p:nvSpPr>
         <p:spPr>
           <a:xfrm>
             <a:off x="1066680" y="0"/>
-            <a:ext cx="10058040" cy="1450440"/>
+            <a:ext cx="10057320" cy="1449720"/>
           </a:xfrm>
           <a:prstGeom prst="rect">
             <a:avLst/>
@@ -4267,7 +3927,7 @@
           <a:fontRef idx="minor"/>
         </p:style>
         <p:txBody>
-          <a:bodyPr anchor="b">
+          <a:bodyPr lIns="90000" rIns="90000" tIns="45000" bIns="45000" anchor="b">
             <a:normAutofit/>
           </a:bodyPr>
           <a:p>
@@ -4277,11 +3937,12 @@
               </a:lnSpc>
             </a:pPr>
             <a:r>
-              <a:rPr b="0" lang="uk-UA" sz="4800" spc="-49" strike="noStrike">
+              <a:rPr b="0" lang="uk-UA" sz="4800" spc="-43" strike="noStrike">
                 <a:solidFill>
                   <a:srgbClr val="404040"/>
                 </a:solidFill>
                 <a:latin typeface="Times New Roman"/>
+                <a:ea typeface="DejaVu Sans"/>
               </a:rPr>
               <a:t>Мета та завдання</a:t>
             </a:r>
@@ -4293,14 +3954,14 @@
       </p:sp>
       <p:sp>
         <p:nvSpPr>
-          <p:cNvPr id="56" name="CustomShape 2"/>
+          <p:cNvPr id="53" name="CustomShape 2"/>
           <p:cNvSpPr/>
           <p:nvPr/>
         </p:nvSpPr>
         <p:spPr>
           <a:xfrm>
             <a:off x="1066680" y="1640160"/>
-            <a:ext cx="10195920" cy="4557240"/>
+            <a:ext cx="10195200" cy="4556520"/>
           </a:xfrm>
           <a:prstGeom prst="rect">
             <a:avLst/>
@@ -4350,16 +4011,7 @@
                 <a:latin typeface="Times New Roman"/>
                 <a:ea typeface="Noto Sans CJK SC"/>
               </a:rPr>
-              <a:t>на основі GSM/GPRS модуля SIM800L та плати BeagleBone Black реалізувати, вичитуючи дані з спеціального датчику, </a:t>
-            </a:r>
-            <a:r>
-              <a:rPr b="0" lang="uk-UA" sz="2400" spc="-1" strike="noStrike">
-                <a:solidFill>
-                  <a:srgbClr val="262626"/>
-                </a:solidFill>
-                <a:latin typeface="Times New Roman"/>
-              </a:rPr>
-              <a:t>можливість передачі пакетів даних про стан датчиків на сервер. </a:t>
+              <a:t>на основі GSM/GPRS модуля  та плати BeagleBone Black реалізувати IoT проект для отримання віддаленого доступу до інформації про стан додаткових пристроїв</a:t>
             </a:r>
             <a:endParaRPr b="0" lang="uk-UA" sz="2400" spc="-1" strike="noStrike">
               <a:latin typeface="Arial"/>
@@ -4383,6 +4035,7 @@
                   <a:srgbClr val="262626"/>
                 </a:solidFill>
                 <a:latin typeface="Times New Roman"/>
+                <a:ea typeface="DejaVu Sans"/>
               </a:rPr>
               <a:t>Завдання:</a:t>
             </a:r>
@@ -4391,7 +4044,7 @@
             </a:endParaRPr>
           </a:p>
           <a:p>
-            <a:pPr marL="457200" indent="-456840">
+            <a:pPr marL="457200" indent="-456120">
               <a:lnSpc>
                 <a:spcPct val="100000"/>
               </a:lnSpc>
@@ -4402,11 +4055,10 @@
                 <a:spcPts val="601"/>
               </a:spcAft>
               <a:buClr>
-                <a:srgbClr val="83992a"/>
+                <a:srgbClr val="000000"/>
               </a:buClr>
-              <a:buSzPct val="115000"/>
-              <a:buFont typeface="Garamond"/>
-              <a:buAutoNum type="arabicPeriod"/>
+              <a:buFont typeface="StarSymbol"/>
+              <a:buAutoNum type="arabicParenR"/>
             </a:pPr>
             <a:r>
               <a:rPr b="0" lang="uk-UA" sz="2400" spc="-1" strike="noStrike">
@@ -4414,15 +4066,36 @@
                   <a:srgbClr val="262626"/>
                 </a:solidFill>
                 <a:latin typeface="Times New Roman"/>
-              </a:rPr>
-              <a:t>Проаналізувати особливості та проблеми реалізації драйверів під операційну систему Linux.</a:t>
+                <a:ea typeface="DejaVu Sans"/>
+              </a:rPr>
+              <a:t>Провести порівняння характеристик одноплатних комп’ютерів на архітектурі ARM та модулів різних версій </a:t>
+            </a:r>
+            <a:r>
+              <a:rPr b="0" lang="uk-UA" sz="2400" spc="-1" strike="noStrike">
+                <a:solidFill>
+                  <a:srgbClr val="262626"/>
+                </a:solidFill>
+                <a:latin typeface="Times New Roman"/>
+                <a:ea typeface="Noto Sans CJK SC"/>
+              </a:rPr>
+              <a:t>SIM800</a:t>
+            </a:r>
+            <a:r>
+              <a:rPr b="0" lang="uk-UA" sz="2400" spc="-1" strike="noStrike">
+                <a:solidFill>
+                  <a:srgbClr val="262626"/>
+                </a:solidFill>
+                <a:latin typeface="Times New Roman"/>
+                <a:ea typeface="DejaVu Sans"/>
+              </a:rPr>
+              <a:t>.</a:t>
             </a:r>
             <a:endParaRPr b="0" lang="uk-UA" sz="2400" spc="-1" strike="noStrike">
               <a:latin typeface="Arial"/>
             </a:endParaRPr>
           </a:p>
           <a:p>
-            <a:pPr marL="457200" indent="-456840">
+            <a:pPr marL="457200" indent="-456120">
               <a:lnSpc>
                 <a:spcPct val="100000"/>
               </a:lnSpc>
@@ -4433,11 +4106,10 @@
                 <a:spcPts val="601"/>
               </a:spcAft>
               <a:buClr>
-                <a:srgbClr val="83992a"/>
+                <a:srgbClr val="000000"/>
               </a:buClr>
-              <a:buSzPct val="115000"/>
-              <a:buFont typeface="Garamond"/>
-              <a:buAutoNum type="arabicPeriod"/>
+              <a:buFont typeface="StarSymbol"/>
+              <a:buAutoNum type="arabicParenR"/>
             </a:pPr>
             <a:r>
               <a:rPr b="0" lang="uk-UA" sz="2400" spc="-1" strike="noStrike">
@@ -4445,15 +4117,16 @@
                   <a:srgbClr val="262626"/>
                 </a:solidFill>
                 <a:latin typeface="Times New Roman"/>
-              </a:rPr>
-              <a:t>Розглянути функціональні можливості GPRS/GSM модуля для створення, надсилання та отримання даних для подальшої роботи з ними. Дослідити реалізацію незалежної апаратної частини для роботи системи. </a:t>
+                <a:ea typeface="DejaVu Sans"/>
+              </a:rPr>
+              <a:t>Ознайомитись з ядром операційної системи Linux, реалізацією драйверів, інструментарієм Yocto Project для роботи з дистрибутивами Linux.</a:t>
             </a:r>
             <a:endParaRPr b="0" lang="uk-UA" sz="2400" spc="-1" strike="noStrike">
               <a:latin typeface="Arial"/>
             </a:endParaRPr>
           </a:p>
           <a:p>
-            <a:pPr marL="457200" indent="-456840">
+            <a:pPr marL="457200" indent="-456120">
               <a:lnSpc>
                 <a:spcPct val="100000"/>
               </a:lnSpc>
@@ -4464,11 +4137,10 @@
                 <a:spcPts val="601"/>
               </a:spcAft>
               <a:buClr>
-                <a:srgbClr val="83992a"/>
+                <a:srgbClr val="000000"/>
               </a:buClr>
-              <a:buSzPct val="115000"/>
-              <a:buFont typeface="Garamond"/>
-              <a:buAutoNum type="arabicPeriod"/>
+              <a:buFont typeface="StarSymbol"/>
+              <a:buAutoNum type="arabicParenR"/>
             </a:pPr>
             <a:r>
               <a:rPr b="0" lang="uk-UA" sz="2400" spc="-1" strike="noStrike">
@@ -4476,15 +4148,36 @@
                   <a:srgbClr val="262626"/>
                 </a:solidFill>
                 <a:latin typeface="Times New Roman"/>
-              </a:rPr>
-              <a:t>Вибрати ті можливості, які можуть бути застосовані для реалізацію функціоналу повноцінної роботи GPRS/GSM модуля — PPP підключення.</a:t>
+                <a:ea typeface="DejaVu Sans"/>
+              </a:rPr>
+              <a:t>Розглянути особливості GPRS/GSM модуля, с</a:t>
+            </a:r>
+            <a:r>
+              <a:rPr b="0" lang="uk-UA" sz="2400" spc="-1" strike="noStrike">
+                <a:solidFill>
+                  <a:srgbClr val="262626"/>
+                </a:solidFill>
+                <a:latin typeface="Times New Roman"/>
+                <a:ea typeface="DejaVu Sans"/>
+              </a:rPr>
+              <a:t>творити функціонал для реалізації повноцінного підключення між BeagleBone Black та</a:t>
+            </a:r>
+            <a:r>
+              <a:rPr b="0" lang="uk-UA" sz="2400" spc="-1" strike="noStrike">
+                <a:solidFill>
+                  <a:srgbClr val="262626"/>
+                </a:solidFill>
+                <a:latin typeface="Times New Roman"/>
+                <a:ea typeface="DejaVu Sans"/>
+              </a:rPr>
+              <a:t> GPRS/GSM модулем.</a:t>
             </a:r>
             <a:endParaRPr b="0" lang="uk-UA" sz="2400" spc="-1" strike="noStrike">
               <a:latin typeface="Arial"/>
             </a:endParaRPr>
           </a:p>
           <a:p>
-            <a:pPr marL="457200" indent="-456840">
+            <a:pPr marL="457200" indent="-456120">
               <a:lnSpc>
                 <a:spcPct val="100000"/>
               </a:lnSpc>
@@ -4495,11 +4188,10 @@
                 <a:spcPts val="601"/>
               </a:spcAft>
               <a:buClr>
-                <a:srgbClr val="83992a"/>
+                <a:srgbClr val="000000"/>
               </a:buClr>
-              <a:buSzPct val="115000"/>
-              <a:buFont typeface="Garamond"/>
-              <a:buAutoNum type="arabicPeriod"/>
+              <a:buFont typeface="StarSymbol"/>
+              <a:buAutoNum type="arabicParenR"/>
             </a:pPr>
             <a:r>
               <a:rPr b="0" lang="uk-UA" sz="2400" spc="-1" strike="noStrike">
@@ -4507,65 +4199,19 @@
                   <a:srgbClr val="262626"/>
                 </a:solidFill>
                 <a:latin typeface="Times New Roman"/>
-              </a:rPr>
-              <a:t>Розробити програмне забезпечення, яке реалізує вичитування даних з відповідних датчиків та надсилання цих даних на сервер.</a:t>
+                <a:ea typeface="DejaVu Sans"/>
+              </a:rPr>
+              <a:t>Розробити програмне забезпечення, яке реалізує вичитування даних з відповідних датчиків  та надсилання цих даних на сервер.</a:t>
             </a:r>
             <a:endParaRPr b="0" lang="uk-UA" sz="2400" spc="-1" strike="noStrike">
               <a:latin typeface="Arial"/>
             </a:endParaRPr>
           </a:p>
-          <a:p>
-            <a:pPr marL="457200" indent="-456840">
-              <a:lnSpc>
-                <a:spcPct val="100000"/>
-              </a:lnSpc>
-              <a:spcBef>
-                <a:spcPts val="479"/>
-              </a:spcBef>
-              <a:spcAft>
-                <a:spcPts val="601"/>
-              </a:spcAft>
-              <a:buClr>
-                <a:srgbClr val="83992a"/>
-              </a:buClr>
-              <a:buSzPct val="115000"/>
-              <a:buFont typeface="Garamond"/>
-              <a:buAutoNum type="arabicPeriod"/>
-            </a:pPr>
-            <a:r>
-              <a:rPr b="0" lang="uk-UA" sz="2400" spc="-1" strike="noStrike">
-                <a:solidFill>
-                  <a:srgbClr val="262626"/>
-                </a:solidFill>
-                <a:latin typeface="Times New Roman"/>
-              </a:rPr>
-              <a:t>Провести тестування та порівняти ефективність декількох реалізацій пристрою та відповідних драйверів для роботи системи.</a:t>
-            </a:r>
-            <a:endParaRPr b="0" lang="uk-UA" sz="2400" spc="-1" strike="noStrike">
-              <a:latin typeface="Arial"/>
-            </a:endParaRPr>
-          </a:p>
-          <a:p>
-            <a:pPr>
-              <a:lnSpc>
-                <a:spcPct val="100000"/>
-              </a:lnSpc>
-              <a:spcBef>
-                <a:spcPts val="479"/>
-              </a:spcBef>
-              <a:spcAft>
-                <a:spcPts val="601"/>
-              </a:spcAft>
-            </a:pPr>
-            <a:endParaRPr b="0" lang="uk-UA" sz="2400" spc="-1" strike="noStrike">
-              <a:latin typeface="Arial"/>
-            </a:endParaRPr>
-          </a:p>
-        </p:txBody>
-      </p:sp>
-      <p:sp>
-        <p:nvSpPr>
-          <p:cNvPr id="57" name="Line 3"/>
+        </p:txBody>
+      </p:sp>
+      <p:sp>
+        <p:nvSpPr>
+          <p:cNvPr id="54" name="Line 3"/>
           <p:cNvSpPr/>
           <p:nvPr/>
         </p:nvSpPr>
@@ -4577,12 +4223,12 @@
           <a:prstGeom prst="line">
             <a:avLst/>
           </a:prstGeom>
-          <a:ln w="9360">
+          <a:ln cap="rnd" w="9360">
             <a:solidFill>
               <a:schemeClr val="dk1"/>
             </a:solidFill>
             <a:custDash>
-              <a:ds d="500000" sp="400000"/>
+              <a:ds d="800000" sp="600000"/>
             </a:custDash>
             <a:round/>
           </a:ln>
@@ -4596,14 +4242,14 @@
       </p:sp>
       <p:sp>
         <p:nvSpPr>
-          <p:cNvPr id="58" name="TextShape 4"/>
-          <p:cNvSpPr txBox="1"/>
+          <p:cNvPr id="55" name="CustomShape 4"/>
+          <p:cNvSpPr/>
           <p:nvPr/>
         </p:nvSpPr>
         <p:spPr>
           <a:xfrm>
             <a:off x="9900360" y="6459840"/>
-            <a:ext cx="1311840" cy="364680"/>
+            <a:ext cx="1311120" cy="363960"/>
           </a:xfrm>
           <a:prstGeom prst="rect">
             <a:avLst/>
@@ -4613,25 +4259,32 @@
             <a:noFill/>
           </a:ln>
         </p:spPr>
-        <p:txBody>
-          <a:bodyPr anchor="ctr"/>
+        <p:style>
+          <a:lnRef idx="0"/>
+          <a:fillRef idx="0"/>
+          <a:effectRef idx="0"/>
+          <a:fontRef idx="minor"/>
+        </p:style>
+        <p:txBody>
+          <a:bodyPr lIns="90000" rIns="90000" tIns="45000" bIns="45000" anchor="ctr"/>
           <a:p>
             <a:pPr algn="r">
               <a:lnSpc>
                 <a:spcPct val="100000"/>
               </a:lnSpc>
             </a:pPr>
-            <a:fld id="{DA55DC31-0C2B-4452-A5CE-C6550955EDFC}" type="slidenum">
+            <a:fld id="{0FEDA9F9-BEBD-49DE-96B1-1EEF699186E1}" type="slidenum">
               <a:rPr b="0" lang="uk-UA" sz="3200" spc="-1" strike="noStrike">
                 <a:solidFill>
                   <a:srgbClr val="000000"/>
                 </a:solidFill>
                 <a:latin typeface="Times New Roman"/>
+                <a:ea typeface="DejaVu Sans"/>
               </a:rPr>
               <a:t>1</a:t>
             </a:fld>
             <a:endParaRPr b="0" lang="uk-UA" sz="3200" spc="-1" strike="noStrike">
-              <a:latin typeface="Times New Roman"/>
+              <a:latin typeface="Arial"/>
             </a:endParaRPr>
           </a:p>
         </p:txBody>
@@ -4687,14 +4340,14 @@
       </p:grpSpPr>
       <p:sp>
         <p:nvSpPr>
-          <p:cNvPr id="59" name="CustomShape 1"/>
+          <p:cNvPr id="56" name="CustomShape 1"/>
           <p:cNvSpPr/>
           <p:nvPr/>
         </p:nvSpPr>
         <p:spPr>
           <a:xfrm>
             <a:off x="1066680" y="466560"/>
-            <a:ext cx="10058040" cy="1450440"/>
+            <a:ext cx="10057320" cy="1449720"/>
           </a:xfrm>
           <a:prstGeom prst="rect">
             <a:avLst/>
@@ -4724,6 +4377,7 @@
                   <a:srgbClr val="262626"/>
                 </a:solidFill>
                 <a:latin typeface="Times New Roman"/>
+                <a:ea typeface="DejaVu Sans"/>
               </a:rPr>
               <a:t>Означення</a:t>
             </a:r>
@@ -4735,14 +4389,14 @@
       </p:sp>
       <p:sp>
         <p:nvSpPr>
-          <p:cNvPr id="60" name="CustomShape 2"/>
+          <p:cNvPr id="57" name="CustomShape 2"/>
           <p:cNvSpPr/>
           <p:nvPr/>
         </p:nvSpPr>
         <p:spPr>
           <a:xfrm>
             <a:off x="1066680" y="1642680"/>
-            <a:ext cx="6709320" cy="4023000"/>
+            <a:ext cx="6708600" cy="4022280"/>
           </a:xfrm>
           <a:prstGeom prst="rect">
             <a:avLst/>
@@ -4778,8 +4432,9 @@
                   <a:srgbClr val="262626"/>
                 </a:solidFill>
                 <a:latin typeface="Times New Roman"/>
-              </a:rPr>
-              <a:t>Лі́нукс </a:t>
+                <a:ea typeface="DejaVu Sans"/>
+              </a:rPr>
+              <a:t>Одноплатний комп’ютер </a:t>
             </a:r>
             <a:r>
               <a:rPr b="0" lang="uk-UA" sz="2400" spc="-1" strike="noStrike">
@@ -4787,18 +4442,55 @@
                   <a:srgbClr val="262626"/>
                 </a:solidFill>
                 <a:latin typeface="Times New Roman"/>
-              </a:rPr>
-              <a:t>(англ. Linux, повна назва — GNU/Linux)  — загальна назва UNIX-подібних операційних систем на основі однойменного ядра. Це один із найвидатніших прикладів розробки вільного (free) та відкритого (з відкритим кодом, open source) програмного забезпечення (software). </a:t>
+                <a:ea typeface="DejaVu Sans"/>
+              </a:rPr>
+              <a:t>— комп'ютер, всі основні компоненти якого розміщуються на одній платі.</a:t>
             </a:r>
             <a:endParaRPr b="0" lang="uk-UA" sz="2400" spc="-1" strike="noStrike">
               <a:latin typeface="Arial"/>
             </a:endParaRPr>
           </a:p>
-        </p:txBody>
-      </p:sp>
-      <p:sp>
-        <p:nvSpPr>
-          <p:cNvPr id="61" name="Line 3"/>
+          <a:p>
+            <a:pPr marL="201240">
+              <a:lnSpc>
+                <a:spcPct val="100000"/>
+              </a:lnSpc>
+              <a:spcBef>
+                <a:spcPts val="479"/>
+              </a:spcBef>
+              <a:spcAft>
+                <a:spcPts val="601"/>
+              </a:spcAft>
+            </a:pPr>
+            <a:r>
+              <a:rPr b="1" lang="uk-UA" sz="2400" spc="-1" strike="noStrike">
+                <a:solidFill>
+                  <a:srgbClr val="262626"/>
+                </a:solidFill>
+                <a:latin typeface="Times New Roman"/>
+                <a:ea typeface="DejaVu Sans"/>
+              </a:rPr>
+              <a:t>Операційна система GNU/Linux</a:t>
+            </a:r>
+            <a:r>
+              <a:rPr b="0" lang="uk-UA" sz="2400" spc="-1" strike="noStrike">
+                <a:solidFill>
+                  <a:srgbClr val="262626"/>
+                </a:solidFill>
+                <a:latin typeface="Times New Roman"/>
+                <a:ea typeface="DejaVu Sans"/>
+              </a:rPr>
+              <a:t>  — Unix-подібна операційна система, один із найвидатніших прикладів розробки вільного та відкритого програмного забезпечення. </a:t>
+            </a:r>
+            <a:endParaRPr b="0" lang="uk-UA" sz="2400" spc="-1" strike="noStrike">
+              <a:latin typeface="Arial"/>
+            </a:endParaRPr>
+          </a:p>
+        </p:txBody>
+      </p:sp>
+      <p:sp>
+        <p:nvSpPr>
+          <p:cNvPr id="58" name="Line 3"/>
           <p:cNvSpPr/>
           <p:nvPr/>
         </p:nvSpPr>
@@ -4810,12 +4502,12 @@
           <a:prstGeom prst="line">
             <a:avLst/>
           </a:prstGeom>
-          <a:ln w="9360">
+          <a:ln cap="rnd" w="9360">
             <a:solidFill>
               <a:schemeClr val="dk1"/>
             </a:solidFill>
             <a:custDash>
-              <a:ds d="500000" sp="400000"/>
+              <a:ds d="800000" sp="600000"/>
             </a:custDash>
             <a:round/>
           </a:ln>
@@ -4829,14 +4521,14 @@
       </p:sp>
       <p:sp>
         <p:nvSpPr>
-          <p:cNvPr id="62" name="TextShape 4"/>
-          <p:cNvSpPr txBox="1"/>
+          <p:cNvPr id="59" name="CustomShape 4"/>
+          <p:cNvSpPr/>
           <p:nvPr/>
         </p:nvSpPr>
         <p:spPr>
           <a:xfrm>
             <a:off x="9900360" y="6459840"/>
-            <a:ext cx="1311840" cy="364680"/>
+            <a:ext cx="1311120" cy="363960"/>
           </a:xfrm>
           <a:prstGeom prst="rect">
             <a:avLst/>
@@ -4846,32 +4538,39 @@
             <a:noFill/>
           </a:ln>
         </p:spPr>
-        <p:txBody>
-          <a:bodyPr anchor="ctr"/>
+        <p:style>
+          <a:lnRef idx="0"/>
+          <a:fillRef idx="0"/>
+          <a:effectRef idx="0"/>
+          <a:fontRef idx="minor"/>
+        </p:style>
+        <p:txBody>
+          <a:bodyPr lIns="90000" rIns="90000" tIns="45000" bIns="45000" anchor="ctr"/>
           <a:p>
             <a:pPr algn="r">
               <a:lnSpc>
                 <a:spcPct val="100000"/>
               </a:lnSpc>
             </a:pPr>
-            <a:fld id="{609BCF69-A495-4C5A-B97B-F4E93A870034}" type="slidenum">
+            <a:fld id="{5DFA0BA8-6731-4F95-9ACA-2E9648AAFB25}" type="slidenum">
               <a:rPr b="0" lang="uk-UA" sz="3200" spc="-1" strike="noStrike">
                 <a:solidFill>
                   <a:srgbClr val="000000"/>
                 </a:solidFill>
                 <a:latin typeface="Times New Roman"/>
+                <a:ea typeface="DejaVu Sans"/>
               </a:rPr>
               <a:t>1</a:t>
             </a:fld>
             <a:endParaRPr b="0" lang="uk-UA" sz="3200" spc="-1" strike="noStrike">
-              <a:latin typeface="Times New Roman"/>
+              <a:latin typeface="Arial"/>
             </a:endParaRPr>
           </a:p>
         </p:txBody>
       </p:sp>
       <p:pic>
         <p:nvPicPr>
-          <p:cNvPr id="63" name="" descr=""/>
+          <p:cNvPr id="60" name="" descr=""/>
           <p:cNvPicPr/>
           <p:nvPr/>
         </p:nvPicPr>
@@ -4882,7 +4581,7 @@
         <p:spPr>
           <a:xfrm>
             <a:off x="7848000" y="1944000"/>
-            <a:ext cx="3384000" cy="3987720"/>
+            <a:ext cx="3383280" cy="3987000"/>
           </a:xfrm>
           <a:prstGeom prst="rect">
             <a:avLst/>
@@ -4943,14 +4642,14 @@
       </p:grpSpPr>
       <p:sp>
         <p:nvSpPr>
-          <p:cNvPr id="64" name="CustomShape 1"/>
+          <p:cNvPr id="61" name="CustomShape 1"/>
           <p:cNvSpPr/>
           <p:nvPr/>
         </p:nvSpPr>
         <p:spPr>
           <a:xfrm>
             <a:off x="1066680" y="466560"/>
-            <a:ext cx="10058040" cy="1450440"/>
+            <a:ext cx="10057320" cy="1449720"/>
           </a:xfrm>
           <a:prstGeom prst="rect">
             <a:avLst/>
@@ -4980,6 +4679,7 @@
                   <a:srgbClr val="262626"/>
                 </a:solidFill>
                 <a:latin typeface="Times New Roman"/>
+                <a:ea typeface="DejaVu Sans"/>
               </a:rPr>
               <a:t>Означення</a:t>
             </a:r>
@@ -4991,14 +4691,14 @@
       </p:sp>
       <p:sp>
         <p:nvSpPr>
-          <p:cNvPr id="65" name="CustomShape 2"/>
+          <p:cNvPr id="62" name="CustomShape 2"/>
           <p:cNvSpPr/>
           <p:nvPr/>
         </p:nvSpPr>
         <p:spPr>
           <a:xfrm>
             <a:off x="1066680" y="1417320"/>
-            <a:ext cx="10058040" cy="4023000"/>
+            <a:ext cx="4908960" cy="4022280"/>
           </a:xfrm>
           <a:prstGeom prst="rect">
             <a:avLst/>
@@ -5034,8 +4734,9 @@
                   <a:srgbClr val="262626"/>
                 </a:solidFill>
                 <a:latin typeface="Times New Roman"/>
-              </a:rPr>
-              <a:t>GSM </a:t>
+                <a:ea typeface="DejaVu Sans"/>
+              </a:rPr>
+              <a:t>GPRS </a:t>
             </a:r>
             <a:r>
               <a:rPr b="0" lang="uk-UA" sz="2400" spc="-1" strike="noStrike">
@@ -5043,86 +4744,19 @@
                   <a:srgbClr val="262626"/>
                 </a:solidFill>
                 <a:latin typeface="Times New Roman"/>
-              </a:rPr>
-              <a:t>(англ. Global System for Mobile Communications, Глобальна система мобільного зв'язку)  — міжнародний стандарт для мобільного цифрового стільникового зв'язку з розділенням каналу за принципом TDMA та високим рівнем безпеки за рахунок шифрування з відкритим ключем.</a:t>
+                <a:ea typeface="DejaVu Sans"/>
+              </a:rPr>
+              <a:t>(General Packet Radio Service, загальний сервіс пакетної радіопередачі)  — стандарт, який використовує не зайняту голосовим зв'язком смугу частот для передачі інформації. Використовується в мобільних пристроях для передачі MMS, WAP-серфінгу та повноцінного з'єднання з Інтернетом.</a:t>
             </a:r>
             <a:endParaRPr b="0" lang="uk-UA" sz="2400" spc="-1" strike="noStrike">
               <a:latin typeface="Arial"/>
             </a:endParaRPr>
           </a:p>
-          <a:p>
-            <a:pPr marL="201240">
-              <a:lnSpc>
-                <a:spcPct val="100000"/>
-              </a:lnSpc>
-              <a:spcBef>
-                <a:spcPts val="479"/>
-              </a:spcBef>
-              <a:spcAft>
-                <a:spcPts val="601"/>
-              </a:spcAft>
-            </a:pPr>
-            <a:r>
-              <a:rPr b="1" lang="uk-UA" sz="2400" spc="-1" strike="noStrike">
-                <a:solidFill>
-                  <a:srgbClr val="262626"/>
-                </a:solidFill>
-                <a:latin typeface="Times New Roman"/>
-              </a:rPr>
-              <a:t>GPRS модем </a:t>
-            </a:r>
-            <a:r>
-              <a:rPr b="0" lang="uk-UA" sz="2400" spc="-1" strike="noStrike">
-                <a:solidFill>
-                  <a:srgbClr val="262626"/>
-                </a:solidFill>
-                <a:latin typeface="Times New Roman"/>
-              </a:rPr>
-              <a:t>(англ. General Packet Radio Service, Загальний сервіс пакетної радіопередачі) —  стандарт, який використовує не зайняту голосовим зв'язком смугу частот для передачі інформації. </a:t>
-            </a:r>
-            <a:endParaRPr b="0" lang="uk-UA" sz="2400" spc="-1" strike="noStrike">
-              <a:latin typeface="Arial"/>
-            </a:endParaRPr>
-          </a:p>
-          <a:p>
-            <a:pPr marL="201240">
-              <a:lnSpc>
-                <a:spcPct val="100000"/>
-              </a:lnSpc>
-              <a:spcBef>
-                <a:spcPts val="479"/>
-              </a:spcBef>
-              <a:spcAft>
-                <a:spcPts val="601"/>
-              </a:spcAft>
-            </a:pPr>
-            <a:r>
-              <a:rPr b="1" lang="uk-UA" sz="2400" spc="-1" strike="noStrike">
-                <a:solidFill>
-                  <a:srgbClr val="262626"/>
-                </a:solidFill>
-                <a:latin typeface="Times New Roman"/>
-              </a:rPr>
-              <a:t>UART</a:t>
-            </a:r>
-            <a:r>
-              <a:rPr b="0" lang="uk-UA" sz="2400" spc="-1" strike="noStrike">
-                <a:solidFill>
-                  <a:srgbClr val="262626"/>
-                </a:solidFill>
-                <a:latin typeface="Times New Roman"/>
-              </a:rPr>
-              <a:t> (англ. universal asynchronous receiver/transmitter — універсальний асинхронний приймач/передавач) — тип асинхронного приймача-передавача, компонентів комп'ютерів та периферійних пристроїв, що передає дані між паралельною та послідовною формами. </a:t>
-            </a:r>
-            <a:endParaRPr b="0" lang="uk-UA" sz="2400" spc="-1" strike="noStrike">
-              <a:latin typeface="Arial"/>
-            </a:endParaRPr>
-          </a:p>
-        </p:txBody>
-      </p:sp>
-      <p:sp>
-        <p:nvSpPr>
-          <p:cNvPr id="66" name="Line 3"/>
+        </p:txBody>
+      </p:sp>
+      <p:sp>
+        <p:nvSpPr>
+          <p:cNvPr id="63" name="Line 3"/>
           <p:cNvSpPr/>
           <p:nvPr/>
         </p:nvSpPr>
@@ -5134,12 +4768,12 @@
           <a:prstGeom prst="line">
             <a:avLst/>
           </a:prstGeom>
-          <a:ln w="9360">
+          <a:ln cap="rnd" w="9360">
             <a:solidFill>
               <a:schemeClr val="dk1"/>
             </a:solidFill>
             <a:custDash>
-              <a:ds d="500000" sp="400000"/>
+              <a:ds d="800000" sp="600000"/>
             </a:custDash>
             <a:round/>
           </a:ln>
@@ -5153,14 +4787,14 @@
       </p:sp>
       <p:sp>
         <p:nvSpPr>
-          <p:cNvPr id="67" name="TextShape 4"/>
-          <p:cNvSpPr txBox="1"/>
+          <p:cNvPr id="64" name="CustomShape 4"/>
+          <p:cNvSpPr/>
           <p:nvPr/>
         </p:nvSpPr>
         <p:spPr>
           <a:xfrm>
             <a:off x="9900360" y="6459840"/>
-            <a:ext cx="1311840" cy="364680"/>
+            <a:ext cx="1311120" cy="363960"/>
           </a:xfrm>
           <a:prstGeom prst="rect">
             <a:avLst/>
@@ -5170,29 +4804,59 @@
             <a:noFill/>
           </a:ln>
         </p:spPr>
-        <p:txBody>
-          <a:bodyPr anchor="ctr"/>
+        <p:style>
+          <a:lnRef idx="0"/>
+          <a:fillRef idx="0"/>
+          <a:effectRef idx="0"/>
+          <a:fontRef idx="minor"/>
+        </p:style>
+        <p:txBody>
+          <a:bodyPr lIns="90000" rIns="90000" tIns="45000" bIns="45000" anchor="ctr"/>
           <a:p>
             <a:pPr algn="r">
               <a:lnSpc>
                 <a:spcPct val="100000"/>
               </a:lnSpc>
             </a:pPr>
-            <a:fld id="{903D9BCC-E43B-4172-9FC0-8644ACC21B77}" type="slidenum">
+            <a:fld id="{E172AA5B-08A9-4CDA-A49B-17C9F8D30B31}" type="slidenum">
               <a:rPr b="0" lang="uk-UA" sz="3200" spc="-1" strike="noStrike">
                 <a:solidFill>
                   <a:srgbClr val="000000"/>
                 </a:solidFill>
                 <a:latin typeface="Times New Roman"/>
+                <a:ea typeface="DejaVu Sans"/>
               </a:rPr>
               <a:t>1</a:t>
             </a:fld>
             <a:endParaRPr b="0" lang="uk-UA" sz="3200" spc="-1" strike="noStrike">
-              <a:latin typeface="Times New Roman"/>
-            </a:endParaRPr>
-          </a:p>
-        </p:txBody>
-      </p:sp>
+              <a:latin typeface="Arial"/>
+            </a:endParaRPr>
+          </a:p>
+        </p:txBody>
+      </p:sp>
+      <p:pic>
+        <p:nvPicPr>
+          <p:cNvPr id="65" name="" descr=""/>
+          <p:cNvPicPr/>
+          <p:nvPr/>
+        </p:nvPicPr>
+        <p:blipFill>
+          <a:blip r:embed="rId1"/>
+          <a:stretch/>
+        </p:blipFill>
+        <p:spPr>
+          <a:xfrm>
+            <a:off x="5843880" y="1417320"/>
+            <a:ext cx="5387760" cy="3591720"/>
+          </a:xfrm>
+          <a:prstGeom prst="rect">
+            <a:avLst/>
+          </a:prstGeom>
+          <a:ln>
+            <a:noFill/>
+          </a:ln>
+        </p:spPr>
+      </p:pic>
     </p:spTree>
   </p:cSld>
   <p:timing>
@@ -5244,14 +4908,14 @@
       </p:grpSpPr>
       <p:sp>
         <p:nvSpPr>
-          <p:cNvPr id="68" name="CustomShape 1"/>
+          <p:cNvPr id="66" name="CustomShape 1"/>
           <p:cNvSpPr/>
           <p:nvPr/>
         </p:nvSpPr>
         <p:spPr>
           <a:xfrm>
             <a:off x="1066680" y="678600"/>
-            <a:ext cx="10058040" cy="1450440"/>
+            <a:ext cx="10057320" cy="1449720"/>
           </a:xfrm>
           <a:prstGeom prst="rect">
             <a:avLst/>
@@ -5281,6 +4945,7 @@
                   <a:srgbClr val="262626"/>
                 </a:solidFill>
                 <a:latin typeface="Times New Roman"/>
+                <a:ea typeface="DejaVu Sans"/>
               </a:rPr>
               <a:t>Актуальність</a:t>
             </a:r>
@@ -5292,14 +4957,14 @@
       </p:sp>
       <p:sp>
         <p:nvSpPr>
-          <p:cNvPr id="69" name="CustomShape 2"/>
+          <p:cNvPr id="67" name="CustomShape 2"/>
           <p:cNvSpPr/>
           <p:nvPr/>
         </p:nvSpPr>
         <p:spPr>
           <a:xfrm>
             <a:off x="1066680" y="1831320"/>
-            <a:ext cx="10058040" cy="4023000"/>
+            <a:ext cx="10057320" cy="4022280"/>
           </a:xfrm>
           <a:prstGeom prst="rect">
             <a:avLst/>
@@ -5320,7 +4985,7 @@
             <a:normAutofit/>
           </a:bodyPr>
           <a:p>
-            <a:pPr lvl="1" marL="743040" indent="-285480">
+            <a:pPr lvl="1" marL="743040" indent="-284760">
               <a:lnSpc>
                 <a:spcPct val="100000"/>
               </a:lnSpc>
@@ -5343,15 +5008,16 @@
                   <a:srgbClr val="262626"/>
                 </a:solidFill>
                 <a:latin typeface="Times New Roman"/>
-              </a:rPr>
-              <a:t>Системне програмування – вузькоспеціалізована, перспективна та прибуткова галузь</a:t>
+                <a:ea typeface="DejaVu Sans"/>
+              </a:rPr>
+              <a:t>Системне програмування – вузькоспеціалізована, перспективна та прибуткова галузь.</a:t>
             </a:r>
             <a:endParaRPr b="0" lang="uk-UA" sz="2400" spc="-1" strike="noStrike">
               <a:latin typeface="Arial"/>
             </a:endParaRPr>
           </a:p>
           <a:p>
-            <a:pPr lvl="1" marL="743040" indent="-285480">
+            <a:pPr lvl="1" marL="743040" indent="-284760">
               <a:lnSpc>
                 <a:spcPct val="100000"/>
               </a:lnSpc>
@@ -5374,15 +5040,16 @@
                   <a:srgbClr val="262626"/>
                 </a:solidFill>
                 <a:latin typeface="Times New Roman"/>
-              </a:rPr>
-              <a:t>Зацікавленість спільноти автоматизувати більшу частину повсякденного життя  </a:t>
+                <a:ea typeface="DejaVu Sans"/>
+              </a:rPr>
+              <a:t>Зацікавленість спільноти в реалізації та використанні IoT проектів.</a:t>
             </a:r>
             <a:endParaRPr b="0" lang="uk-UA" sz="2400" spc="-1" strike="noStrike">
               <a:latin typeface="Arial"/>
             </a:endParaRPr>
           </a:p>
           <a:p>
-            <a:pPr lvl="1" marL="743040" indent="-285480">
+            <a:pPr lvl="1" marL="743040" indent="-284760">
               <a:lnSpc>
                 <a:spcPct val="100000"/>
               </a:lnSpc>
@@ -5405,15 +5072,16 @@
                   <a:srgbClr val="262626"/>
                 </a:solidFill>
                 <a:latin typeface="Times New Roman"/>
-              </a:rPr>
-              <a:t>Готовність багатьох компаній спонсорувати дослідження в напрямі системного програмування для мінімізації витрат на реалізацію апаратних рішень</a:t>
+                <a:ea typeface="DejaVu Sans"/>
+              </a:rPr>
+              <a:t>Готовність багатьох компаній спонсорувати дослідження в напрямі системного програмування для мінімізації витрат на реалізацію апаратних рішень.</a:t>
             </a:r>
             <a:endParaRPr b="0" lang="uk-UA" sz="2400" spc="-1" strike="noStrike">
               <a:latin typeface="Arial"/>
             </a:endParaRPr>
           </a:p>
           <a:p>
-            <a:pPr lvl="1" marL="743040" indent="-285480">
+            <a:pPr lvl="1" marL="743040" indent="-284760">
               <a:lnSpc>
                 <a:spcPct val="100000"/>
               </a:lnSpc>
@@ -5436,15 +5104,16 @@
                   <a:srgbClr val="262626"/>
                 </a:solidFill>
                 <a:latin typeface="Times New Roman"/>
-              </a:rPr>
-              <a:t>Вільний та безкоштовний доступ до інформації та вихідних кодів програмних засобів</a:t>
+                <a:ea typeface="DejaVu Sans"/>
+              </a:rPr>
+              <a:t>Вільний та безкоштовний доступ до інформації та вихідних кодів програмних засобів.</a:t>
             </a:r>
             <a:endParaRPr b="0" lang="uk-UA" sz="2400" spc="-1" strike="noStrike">
               <a:latin typeface="Arial"/>
             </a:endParaRPr>
           </a:p>
           <a:p>
-            <a:pPr lvl="1" marL="743040" indent="-285480">
+            <a:pPr lvl="1" marL="743040" indent="-284760">
               <a:lnSpc>
                 <a:spcPct val="100000"/>
               </a:lnSpc>
@@ -5467,6 +5136,7 @@
                   <a:srgbClr val="262626"/>
                 </a:solidFill>
                 <a:latin typeface="Times New Roman"/>
+                <a:ea typeface="DejaVu Sans"/>
               </a:rPr>
               <a:t>Реалізації різних, незалежних від користувача систем сповіщення та контролю для виконання широкого діапазону задач.</a:t>
             </a:r>
@@ -5478,14 +5148,14 @@
       </p:sp>
       <p:sp>
         <p:nvSpPr>
-          <p:cNvPr id="70" name="TextShape 3"/>
-          <p:cNvSpPr txBox="1"/>
+          <p:cNvPr id="68" name="CustomShape 3"/>
+          <p:cNvSpPr/>
           <p:nvPr/>
         </p:nvSpPr>
         <p:spPr>
           <a:xfrm>
             <a:off x="9900360" y="6459840"/>
-            <a:ext cx="1311840" cy="364680"/>
+            <a:ext cx="1311120" cy="363960"/>
           </a:xfrm>
           <a:prstGeom prst="rect">
             <a:avLst/>
@@ -5495,32 +5165,39 @@
             <a:noFill/>
           </a:ln>
         </p:spPr>
-        <p:txBody>
-          <a:bodyPr anchor="ctr"/>
+        <p:style>
+          <a:lnRef idx="0"/>
+          <a:fillRef idx="0"/>
+          <a:effectRef idx="0"/>
+          <a:fontRef idx="minor"/>
+        </p:style>
+        <p:txBody>
+          <a:bodyPr lIns="90000" rIns="90000" tIns="45000" bIns="45000" anchor="ctr"/>
           <a:p>
             <a:pPr algn="r">
               <a:lnSpc>
                 <a:spcPct val="100000"/>
               </a:lnSpc>
             </a:pPr>
-            <a:fld id="{EAADCEE7-7344-4668-ACC4-669DFDBA2D4C}" type="slidenum">
+            <a:fld id="{72805BB2-9B05-459B-83A6-F0FE51C5008B}" type="slidenum">
               <a:rPr b="0" lang="uk-UA" sz="3200" spc="-1" strike="noStrike">
                 <a:solidFill>
                   <a:srgbClr val="000000"/>
                 </a:solidFill>
                 <a:latin typeface="Times New Roman"/>
+                <a:ea typeface="DejaVu Sans"/>
               </a:rPr>
               <a:t>1</a:t>
             </a:fld>
             <a:endParaRPr b="0" lang="uk-UA" sz="3200" spc="-1" strike="noStrike">
-              <a:latin typeface="Times New Roman"/>
-            </a:endParaRPr>
-          </a:p>
-        </p:txBody>
-      </p:sp>
-      <p:sp>
-        <p:nvSpPr>
-          <p:cNvPr id="71" name="Line 4"/>
+              <a:latin typeface="Arial"/>
+            </a:endParaRPr>
+          </a:p>
+        </p:txBody>
+      </p:sp>
+      <p:sp>
+        <p:nvSpPr>
+          <p:cNvPr id="69" name="Line 4"/>
           <p:cNvSpPr/>
           <p:nvPr/>
         </p:nvSpPr>
@@ -5532,12 +5209,12 @@
           <a:prstGeom prst="line">
             <a:avLst/>
           </a:prstGeom>
-          <a:ln w="9360">
+          <a:ln cap="rnd" w="9360">
             <a:solidFill>
               <a:schemeClr val="dk1"/>
             </a:solidFill>
             <a:custDash>
-              <a:ds d="500000" sp="400000"/>
+              <a:ds d="800000" sp="600000"/>
             </a:custDash>
             <a:round/>
           </a:ln>
@@ -5600,14 +5277,14 @@
       </p:grpSpPr>
       <p:sp>
         <p:nvSpPr>
-          <p:cNvPr id="72" name="CustomShape 1"/>
+          <p:cNvPr id="70" name="CustomShape 1"/>
           <p:cNvSpPr/>
           <p:nvPr/>
         </p:nvSpPr>
         <p:spPr>
           <a:xfrm>
             <a:off x="812880" y="504360"/>
-            <a:ext cx="10566000" cy="1450440"/>
+            <a:ext cx="10565280" cy="1449720"/>
           </a:xfrm>
           <a:prstGeom prst="rect">
             <a:avLst/>
@@ -5637,6 +5314,7 @@
                   <a:srgbClr val="262626"/>
                 </a:solidFill>
                 <a:latin typeface="Times New Roman"/>
+                <a:ea typeface="DejaVu Sans"/>
               </a:rPr>
               <a:t>Можливості реалізації апаратної частини</a:t>
             </a:r>
@@ -5648,14 +5326,14 @@
       </p:sp>
       <p:sp>
         <p:nvSpPr>
-          <p:cNvPr id="73" name="CustomShape 2"/>
+          <p:cNvPr id="71" name="CustomShape 2"/>
           <p:cNvSpPr/>
           <p:nvPr/>
         </p:nvSpPr>
         <p:spPr>
           <a:xfrm>
             <a:off x="1097280" y="1845720"/>
-            <a:ext cx="10058040" cy="4023000"/>
+            <a:ext cx="10057320" cy="4022280"/>
           </a:xfrm>
           <a:prstGeom prst="rect">
             <a:avLst/>
@@ -5693,15 +5371,16 @@
                   <a:srgbClr val="262626"/>
                 </a:solidFill>
                 <a:latin typeface="Times New Roman"/>
-              </a:rPr>
-              <a:t>Для обробки даних з датчиків/генерації пакетів протоколу HTTP або SFTP/конфігурації GPRS/GSM модуля потрібно використовувати плату-контролер. Для виконання цієї задачі розглянуто будовувані процесорні плати на основі архітектури ARM:</a:t>
+                <a:ea typeface="DejaVu Sans"/>
+              </a:rPr>
+              <a:t>За виконання обробки даних з пристроїв/генерації пакетів протоколу SCP відповідає плата-контролер. Для виконання цієї задачі розглянуто одноплатні процесорні комп'ютери на основі архітектури ARM:</a:t>
             </a:r>
             <a:endParaRPr b="0" lang="uk-UA" sz="2800" spc="-1" strike="noStrike">
               <a:latin typeface="Arial"/>
             </a:endParaRPr>
           </a:p>
           <a:p>
-            <a:pPr lvl="1" marL="743040" indent="-285480">
+            <a:pPr lvl="1" marL="743040" indent="-284760">
               <a:lnSpc>
                 <a:spcPct val="100000"/>
               </a:lnSpc>
@@ -5724,6 +5403,7 @@
                   <a:srgbClr val="262626"/>
                 </a:solidFill>
                 <a:latin typeface="Times New Roman"/>
+                <a:ea typeface="DejaVu Sans"/>
               </a:rPr>
               <a:t>Beaglebone Black </a:t>
             </a:r>
@@ -5732,7 +5412,7 @@
             </a:endParaRPr>
           </a:p>
           <a:p>
-            <a:pPr lvl="1" marL="743040" indent="-285480">
+            <a:pPr lvl="1" marL="743040" indent="-284760">
               <a:lnSpc>
                 <a:spcPct val="100000"/>
               </a:lnSpc>
@@ -5755,6 +5435,7 @@
                   <a:srgbClr val="262626"/>
                 </a:solidFill>
                 <a:latin typeface="Times New Roman"/>
+                <a:ea typeface="DejaVu Sans"/>
               </a:rPr>
               <a:t>Raspberry Pi</a:t>
             </a:r>
@@ -5766,7 +5447,7 @@
       </p:sp>
       <p:sp>
         <p:nvSpPr>
-          <p:cNvPr id="74" name="Line 3"/>
+          <p:cNvPr id="72" name="Line 3"/>
           <p:cNvSpPr/>
           <p:nvPr/>
         </p:nvSpPr>
@@ -5778,12 +5459,12 @@
           <a:prstGeom prst="line">
             <a:avLst/>
           </a:prstGeom>
-          <a:ln w="9360">
+          <a:ln cap="rnd" w="9360">
             <a:solidFill>
               <a:schemeClr val="dk1"/>
             </a:solidFill>
             <a:custDash>
-              <a:ds d="500000" sp="400000"/>
+              <a:ds d="800000" sp="600000"/>
             </a:custDash>
             <a:round/>
           </a:ln>
@@ -5797,14 +5478,14 @@
       </p:sp>
       <p:sp>
         <p:nvSpPr>
-          <p:cNvPr id="75" name="TextShape 4"/>
-          <p:cNvSpPr txBox="1"/>
+          <p:cNvPr id="73" name="CustomShape 4"/>
+          <p:cNvSpPr/>
           <p:nvPr/>
         </p:nvSpPr>
         <p:spPr>
           <a:xfrm>
             <a:off x="9900360" y="6459840"/>
-            <a:ext cx="1311840" cy="364680"/>
+            <a:ext cx="1311120" cy="363960"/>
           </a:xfrm>
           <a:prstGeom prst="rect">
             <a:avLst/>
@@ -5814,32 +5495,39 @@
             <a:noFill/>
           </a:ln>
         </p:spPr>
-        <p:txBody>
-          <a:bodyPr anchor="ctr"/>
+        <p:style>
+          <a:lnRef idx="0"/>
+          <a:fillRef idx="0"/>
+          <a:effectRef idx="0"/>
+          <a:fontRef idx="minor"/>
+        </p:style>
+        <p:txBody>
+          <a:bodyPr lIns="90000" rIns="90000" tIns="45000" bIns="45000" anchor="ctr"/>
           <a:p>
             <a:pPr algn="r">
               <a:lnSpc>
                 <a:spcPct val="100000"/>
               </a:lnSpc>
             </a:pPr>
-            <a:fld id="{8356E8E5-21F5-42DC-81BB-44B33CB7AEAD}" type="slidenum">
+            <a:fld id="{1D5886FF-3AA5-4E0C-82A7-54690C7B5912}" type="slidenum">
               <a:rPr b="0" lang="uk-UA" sz="3200" spc="-1" strike="noStrike">
                 <a:solidFill>
                   <a:srgbClr val="000000"/>
                 </a:solidFill>
                 <a:latin typeface="Times New Roman"/>
+                <a:ea typeface="DejaVu Sans"/>
               </a:rPr>
               <a:t>1</a:t>
             </a:fld>
             <a:endParaRPr b="0" lang="uk-UA" sz="3200" spc="-1" strike="noStrike">
-              <a:latin typeface="Times New Roman"/>
+              <a:latin typeface="Arial"/>
             </a:endParaRPr>
           </a:p>
         </p:txBody>
       </p:sp>
       <p:pic>
         <p:nvPicPr>
-          <p:cNvPr id="76" name="" descr=""/>
+          <p:cNvPr id="74" name="" descr=""/>
           <p:cNvPicPr/>
           <p:nvPr/>
         </p:nvPicPr>
@@ -5850,7 +5538,7 @@
         <p:spPr>
           <a:xfrm>
             <a:off x="8208000" y="3744000"/>
-            <a:ext cx="3220920" cy="2382840"/>
+            <a:ext cx="3220200" cy="2382120"/>
           </a:xfrm>
           <a:prstGeom prst="rect">
             <a:avLst/>
@@ -5862,7 +5550,7 @@
       </p:pic>
       <p:pic>
         <p:nvPicPr>
-          <p:cNvPr id="77" name="" descr=""/>
+          <p:cNvPr id="75" name="" descr=""/>
           <p:cNvPicPr/>
           <p:nvPr/>
         </p:nvPicPr>
@@ -5873,7 +5561,7 @@
         <p:spPr>
           <a:xfrm>
             <a:off x="4986000" y="3825000"/>
-            <a:ext cx="3366000" cy="2295000"/>
+            <a:ext cx="3365280" cy="2294280"/>
           </a:xfrm>
           <a:prstGeom prst="rect">
             <a:avLst/>
@@ -5934,14 +5622,14 @@
       </p:grpSpPr>
       <p:sp>
         <p:nvSpPr>
-          <p:cNvPr id="78" name="CustomShape 1"/>
+          <p:cNvPr id="76" name="CustomShape 1"/>
           <p:cNvSpPr/>
           <p:nvPr/>
         </p:nvSpPr>
         <p:spPr>
           <a:xfrm>
             <a:off x="1066680" y="518760"/>
-            <a:ext cx="10058040" cy="830520"/>
+            <a:ext cx="10057320" cy="829800"/>
           </a:xfrm>
           <a:prstGeom prst="rect">
             <a:avLst/>
@@ -5971,8 +5659,9 @@
                   <a:srgbClr val="262626"/>
                 </a:solidFill>
                 <a:latin typeface="Times New Roman"/>
-              </a:rPr>
-              <a:t>Архітектура апаратної частини</a:t>
+                <a:ea typeface="DejaVu Sans"/>
+              </a:rPr>
+              <a:t>Особливості апаратної частини</a:t>
             </a:r>
             <a:endParaRPr b="0" lang="uk-UA" sz="4400" spc="-1" strike="noStrike">
               <a:latin typeface="Arial"/>
@@ -5982,7 +5671,7 @@
       </p:sp>
       <p:sp>
         <p:nvSpPr>
-          <p:cNvPr id="79" name="Line 2"/>
+          <p:cNvPr id="77" name="Line 2"/>
           <p:cNvSpPr/>
           <p:nvPr/>
         </p:nvSpPr>
@@ -5994,12 +5683,12 @@
           <a:prstGeom prst="line">
             <a:avLst/>
           </a:prstGeom>
-          <a:ln w="9360">
+          <a:ln cap="rnd" w="9360">
             <a:solidFill>
               <a:schemeClr val="dk1"/>
             </a:solidFill>
             <a:custDash>
-              <a:ds d="500000" sp="400000"/>
+              <a:ds d="800000" sp="600000"/>
             </a:custDash>
             <a:round/>
           </a:ln>
@@ -6013,14 +5702,14 @@
       </p:sp>
       <p:sp>
         <p:nvSpPr>
-          <p:cNvPr id="80" name="CustomShape 3"/>
+          <p:cNvPr id="78" name="CustomShape 3"/>
           <p:cNvSpPr/>
           <p:nvPr/>
         </p:nvSpPr>
         <p:spPr>
           <a:xfrm>
             <a:off x="1066680" y="1453320"/>
-            <a:ext cx="4230720" cy="4023000"/>
+            <a:ext cx="4230000" cy="4022280"/>
           </a:xfrm>
           <a:prstGeom prst="rect">
             <a:avLst/>
@@ -6039,7 +5728,7 @@
         <p:txBody>
           <a:bodyPr lIns="90000" rIns="90000" tIns="45000" bIns="45000"/>
           <a:p>
-            <a:pPr marL="285840" indent="-285480">
+            <a:pPr marL="285840" indent="-284760">
               <a:lnSpc>
                 <a:spcPct val="100000"/>
               </a:lnSpc>
@@ -6062,15 +5751,16 @@
                   <a:srgbClr val="262626"/>
                 </a:solidFill>
                 <a:latin typeface="Times New Roman"/>
-              </a:rPr>
-              <a:t>Для реалізації апаратної частини використовується модем SIM800H та плата контролер BeagleBone Black. </a:t>
+                <a:ea typeface="DejaVu Sans"/>
+              </a:rPr>
+              <a:t>Для реалізації апаратної частини використовується модем SIM800L, датчик DHT11 плата контролер BeagleBone Black. </a:t>
             </a:r>
             <a:endParaRPr b="0" lang="uk-UA" sz="2600" spc="-1" strike="noStrike">
               <a:latin typeface="Arial"/>
             </a:endParaRPr>
           </a:p>
           <a:p>
-            <a:pPr marL="285840" indent="-285480">
+            <a:pPr marL="285840" indent="-284760">
               <a:lnSpc>
                 <a:spcPct val="100000"/>
               </a:lnSpc>
@@ -6093,6 +5783,7 @@
                   <a:srgbClr val="262626"/>
                 </a:solidFill>
                 <a:latin typeface="Times New Roman"/>
+                <a:ea typeface="DejaVu Sans"/>
               </a:rPr>
               <a:t>Кожен з двох пристроїв має власне живлення від акумуляторів.  </a:t>
             </a:r>
@@ -6101,7 +5792,7 @@
             </a:endParaRPr>
           </a:p>
           <a:p>
-            <a:pPr marL="285840" indent="-285480">
+            <a:pPr marL="285840" indent="-284760">
               <a:lnSpc>
                 <a:spcPct val="100000"/>
               </a:lnSpc>
@@ -6124,8 +5815,9 @@
                   <a:srgbClr val="262626"/>
                 </a:solidFill>
                 <a:latin typeface="Times New Roman"/>
-              </a:rPr>
-              <a:t>Передача даних між ними відбувається через UART-шину. </a:t>
+                <a:ea typeface="DejaVu Sans"/>
+              </a:rPr>
+              <a:t>Передача даних між ними відбувається через UART-шини, GPIO лінії. </a:t>
             </a:r>
             <a:endParaRPr b="0" lang="uk-UA" sz="2600" spc="-1" strike="noStrike">
               <a:latin typeface="Arial"/>
@@ -6135,14 +5827,14 @@
       </p:sp>
       <p:sp>
         <p:nvSpPr>
-          <p:cNvPr id="81" name="TextShape 4"/>
-          <p:cNvSpPr txBox="1"/>
+          <p:cNvPr id="79" name="CustomShape 4"/>
+          <p:cNvSpPr/>
           <p:nvPr/>
         </p:nvSpPr>
         <p:spPr>
           <a:xfrm>
             <a:off x="9900360" y="6459840"/>
-            <a:ext cx="1311840" cy="364680"/>
+            <a:ext cx="1311120" cy="363960"/>
           </a:xfrm>
           <a:prstGeom prst="rect">
             <a:avLst/>
@@ -6152,32 +5844,39 @@
             <a:noFill/>
           </a:ln>
         </p:spPr>
-        <p:txBody>
-          <a:bodyPr anchor="ctr"/>
+        <p:style>
+          <a:lnRef idx="0"/>
+          <a:fillRef idx="0"/>
+          <a:effectRef idx="0"/>
+          <a:fontRef idx="minor"/>
+        </p:style>
+        <p:txBody>
+          <a:bodyPr lIns="90000" rIns="90000" tIns="45000" bIns="45000" anchor="ctr"/>
           <a:p>
             <a:pPr algn="r">
               <a:lnSpc>
                 <a:spcPct val="100000"/>
               </a:lnSpc>
             </a:pPr>
-            <a:fld id="{B2AB173C-E4BD-4E75-A674-0EB8A8F0B979}" type="slidenum">
+            <a:fld id="{EDC99B64-88C2-4A88-B168-9996906B0131}" type="slidenum">
               <a:rPr b="0" lang="uk-UA" sz="3200" spc="-1" strike="noStrike">
                 <a:solidFill>
                   <a:srgbClr val="000000"/>
                 </a:solidFill>
                 <a:latin typeface="Times New Roman"/>
+                <a:ea typeface="DejaVu Sans"/>
               </a:rPr>
               <a:t>1</a:t>
             </a:fld>
             <a:endParaRPr b="0" lang="uk-UA" sz="3200" spc="-1" strike="noStrike">
-              <a:latin typeface="Times New Roman"/>
+              <a:latin typeface="Arial"/>
             </a:endParaRPr>
           </a:p>
         </p:txBody>
       </p:sp>
       <p:pic>
         <p:nvPicPr>
-          <p:cNvPr id="82" name="" descr=""/>
+          <p:cNvPr id="80" name="" descr=""/>
           <p:cNvPicPr/>
           <p:nvPr/>
         </p:nvPicPr>
@@ -6186,9 +5885,9 @@
           <a:stretch/>
         </p:blipFill>
         <p:spPr>
-          <a:xfrm>
-            <a:off x="5547600" y="1800000"/>
-            <a:ext cx="5324400" cy="3993480"/>
+          <a:xfrm rot="5400000">
+            <a:off x="6102360" y="990000"/>
+            <a:ext cx="4211280" cy="5615640"/>
           </a:xfrm>
           <a:prstGeom prst="rect">
             <a:avLst/>
@@ -6249,14 +5948,14 @@
       </p:grpSpPr>
       <p:sp>
         <p:nvSpPr>
-          <p:cNvPr id="83" name="CustomShape 1"/>
+          <p:cNvPr id="81" name="CustomShape 1"/>
           <p:cNvSpPr/>
           <p:nvPr/>
         </p:nvSpPr>
         <p:spPr>
           <a:xfrm>
-            <a:off x="1097280" y="394920"/>
-            <a:ext cx="10058040" cy="1450440"/>
+            <a:off x="1066680" y="518760"/>
+            <a:ext cx="10057320" cy="829800"/>
           </a:xfrm>
           <a:prstGeom prst="rect">
             <a:avLst/>
@@ -6273,9 +5972,7 @@
           <a:fontRef idx="minor"/>
         </p:style>
         <p:txBody>
-          <a:bodyPr lIns="90000" rIns="90000" tIns="45000" bIns="45000">
-            <a:normAutofit/>
-          </a:bodyPr>
+          <a:bodyPr lIns="90000" rIns="90000" tIns="45000" bIns="45000"/>
           <a:p>
             <a:pPr algn="ctr">
               <a:lnSpc>
@@ -6288,8 +5985,9 @@
                   <a:srgbClr val="262626"/>
                 </a:solidFill>
                 <a:latin typeface="Times New Roman"/>
-              </a:rPr>
-              <a:t>Особливості програмної частини системи для передачі даних</a:t>
+                <a:ea typeface="DejaVu Sans"/>
+              </a:rPr>
+              <a:t>Архітектура апаратної частини</a:t>
             </a:r>
             <a:endParaRPr b="0" lang="uk-UA" sz="4400" spc="-1" strike="noStrike">
               <a:latin typeface="Arial"/>
@@ -6299,21 +5997,26 @@
       </p:sp>
       <p:sp>
         <p:nvSpPr>
-          <p:cNvPr id="84" name="CustomShape 2"/>
+          <p:cNvPr id="82" name="Line 2"/>
           <p:cNvSpPr/>
           <p:nvPr/>
         </p:nvSpPr>
         <p:spPr>
           <a:xfrm>
-            <a:off x="827280" y="1845720"/>
-            <a:ext cx="10566000" cy="4023000"/>
-          </a:xfrm>
-          <a:prstGeom prst="rect">
-            <a:avLst/>
-          </a:prstGeom>
-          <a:noFill/>
-          <a:ln>
-            <a:noFill/>
+            <a:off x="1066680" y="1380960"/>
+            <a:ext cx="10058400" cy="360"/>
+          </a:xfrm>
+          <a:prstGeom prst="line">
+            <a:avLst/>
+          </a:prstGeom>
+          <a:ln cap="rnd" w="9360">
+            <a:solidFill>
+              <a:schemeClr val="dk1"/>
+            </a:solidFill>
+            <a:custDash>
+              <a:ds d="800000" sp="600000"/>
+            </a:custDash>
+            <a:round/>
           </a:ln>
         </p:spPr>
         <p:style>
@@ -6322,141 +6025,24 @@
           <a:effectRef idx="0"/>
           <a:fontRef idx="minor"/>
         </p:style>
-        <p:txBody>
-          <a:bodyPr lIns="90000" rIns="90000" tIns="45000" bIns="45000"/>
-          <a:p>
-            <a:pPr lvl="1" marL="743040" indent="-285480">
-              <a:lnSpc>
-                <a:spcPct val="100000"/>
-              </a:lnSpc>
-              <a:spcBef>
-                <a:spcPts val="459"/>
-              </a:spcBef>
-              <a:spcAft>
-                <a:spcPts val="601"/>
-              </a:spcAft>
-              <a:buClr>
-                <a:srgbClr val="83992a"/>
-              </a:buClr>
-              <a:buSzPct val="115000"/>
-              <a:buFont typeface="Arial"/>
-              <a:buChar char="•"/>
-            </a:pPr>
-            <a:r>
-              <a:rPr b="0" lang="uk-UA" sz="2300" spc="-1" strike="noStrike">
-                <a:solidFill>
-                  <a:srgbClr val="262626"/>
-                </a:solidFill>
-                <a:latin typeface="Times New Roman"/>
-              </a:rPr>
-              <a:t>Перед початком передачі даних в пам’ять модема потрібно виконати його налаштування та переконатись у підключені до GPRS/GSM зв’язку.</a:t>
-            </a:r>
-            <a:endParaRPr b="0" lang="uk-UA" sz="2300" spc="-1" strike="noStrike">
-              <a:latin typeface="Arial"/>
-            </a:endParaRPr>
-          </a:p>
-          <a:p>
-            <a:pPr lvl="1" marL="743040" indent="-285480">
-              <a:lnSpc>
-                <a:spcPct val="100000"/>
-              </a:lnSpc>
-              <a:spcBef>
-                <a:spcPts val="459"/>
-              </a:spcBef>
-              <a:spcAft>
-                <a:spcPts val="601"/>
-              </a:spcAft>
-              <a:buClr>
-                <a:srgbClr val="83992a"/>
-              </a:buClr>
-              <a:buSzPct val="115000"/>
-              <a:buFont typeface="Arial"/>
-              <a:buChar char="•"/>
-            </a:pPr>
-            <a:r>
-              <a:rPr b="0" lang="uk-UA" sz="2300" spc="-1" strike="noStrike">
-                <a:solidFill>
-                  <a:srgbClr val="262626"/>
-                </a:solidFill>
-                <a:latin typeface="Times New Roman"/>
-              </a:rPr>
-              <a:t>Дані повинні зчитуватись зі всіх вказаних пристроїв у файл, що в певні проміжки часу буде надсилатись на сервер через SFTP/HTTPS.</a:t>
-            </a:r>
-            <a:endParaRPr b="0" lang="uk-UA" sz="2300" spc="-1" strike="noStrike">
-              <a:latin typeface="Arial"/>
-            </a:endParaRPr>
-          </a:p>
-          <a:p>
-            <a:pPr lvl="1" marL="743040" indent="-285480">
-              <a:lnSpc>
-                <a:spcPct val="100000"/>
-              </a:lnSpc>
-              <a:spcBef>
-                <a:spcPts val="459"/>
-              </a:spcBef>
-              <a:spcAft>
-                <a:spcPts val="601"/>
-              </a:spcAft>
-              <a:buClr>
-                <a:srgbClr val="83992a"/>
-              </a:buClr>
-              <a:buSzPct val="115000"/>
-              <a:buFont typeface="Arial"/>
-              <a:buChar char="•"/>
-            </a:pPr>
-            <a:r>
-              <a:rPr b="0" lang="uk-UA" sz="2300" spc="-1" strike="noStrike">
-                <a:solidFill>
-                  <a:srgbClr val="262626"/>
-                </a:solidFill>
-                <a:latin typeface="Times New Roman"/>
-              </a:rPr>
-              <a:t>Повинна бути реалізація роботи з UART шиною для налаштування взаємодії модема з платою-контролером.</a:t>
-            </a:r>
-            <a:endParaRPr b="0" lang="uk-UA" sz="2300" spc="-1" strike="noStrike">
-              <a:latin typeface="Arial"/>
-            </a:endParaRPr>
-          </a:p>
-          <a:p>
-            <a:pPr>
-              <a:lnSpc>
-                <a:spcPct val="100000"/>
-              </a:lnSpc>
-              <a:spcBef>
-                <a:spcPts val="459"/>
-              </a:spcBef>
-              <a:spcAft>
-                <a:spcPts val="601"/>
-              </a:spcAft>
-            </a:pPr>
-            <a:endParaRPr b="0" lang="uk-UA" sz="2300" spc="-1" strike="noStrike">
-              <a:latin typeface="Arial"/>
-            </a:endParaRPr>
-          </a:p>
-        </p:txBody>
-      </p:sp>
-      <p:sp>
-        <p:nvSpPr>
-          <p:cNvPr id="85" name="Line 3"/>
+      </p:sp>
+      <p:sp>
+        <p:nvSpPr>
+          <p:cNvPr id="83" name="CustomShape 3"/>
           <p:cNvSpPr/>
           <p:nvPr/>
         </p:nvSpPr>
         <p:spPr>
           <a:xfrm>
-            <a:off x="1097280" y="1845720"/>
-            <a:ext cx="10058400" cy="360"/>
-          </a:xfrm>
-          <a:prstGeom prst="line">
-            <a:avLst/>
-          </a:prstGeom>
-          <a:ln w="9360">
-            <a:solidFill>
-              <a:schemeClr val="dk1"/>
-            </a:solidFill>
-            <a:custDash>
-              <a:ds d="500000" sp="400000"/>
-            </a:custDash>
-            <a:round/>
+            <a:off x="9900360" y="6459840"/>
+            <a:ext cx="1311120" cy="363960"/>
+          </a:xfrm>
+          <a:prstGeom prst="rect">
+            <a:avLst/>
+          </a:prstGeom>
+          <a:noFill/>
+          <a:ln>
+            <a:noFill/>
           </a:ln>
         </p:spPr>
         <p:style>
@@ -6465,49 +6051,53 @@
           <a:effectRef idx="0"/>
           <a:fontRef idx="minor"/>
         </p:style>
-      </p:sp>
-      <p:sp>
-        <p:nvSpPr>
-          <p:cNvPr id="86" name="TextShape 4"/>
-          <p:cNvSpPr txBox="1"/>
+        <p:txBody>
+          <a:bodyPr lIns="90000" rIns="90000" tIns="45000" bIns="45000" anchor="ctr"/>
+          <a:p>
+            <a:pPr algn="r">
+              <a:lnSpc>
+                <a:spcPct val="100000"/>
+              </a:lnSpc>
+            </a:pPr>
+            <a:fld id="{69AEB735-FD26-406A-B661-1A5C5CE3E13E}" type="slidenum">
+              <a:rPr b="0" lang="uk-UA" sz="3200" spc="-1" strike="noStrike">
+                <a:solidFill>
+                  <a:srgbClr val="000000"/>
+                </a:solidFill>
+                <a:latin typeface="Times New Roman"/>
+                <a:ea typeface="DejaVu Sans"/>
+              </a:rPr>
+              <a:t>1</a:t>
+            </a:fld>
+            <a:endParaRPr b="0" lang="uk-UA" sz="3200" spc="-1" strike="noStrike">
+              <a:latin typeface="Arial"/>
+            </a:endParaRPr>
+          </a:p>
+        </p:txBody>
+      </p:sp>
+      <p:pic>
+        <p:nvPicPr>
+          <p:cNvPr id="84" name="" descr=""/>
+          <p:cNvPicPr/>
           <p:nvPr/>
-        </p:nvSpPr>
-        <p:spPr>
-          <a:xfrm>
-            <a:off x="9900360" y="6459840"/>
-            <a:ext cx="1311840" cy="364680"/>
-          </a:xfrm>
-          <a:prstGeom prst="rect">
-            <a:avLst/>
-          </a:prstGeom>
-          <a:noFill/>
+        </p:nvPicPr>
+        <p:blipFill>
+          <a:blip r:embed="rId1"/>
+          <a:stretch/>
+        </p:blipFill>
+        <p:spPr>
+          <a:xfrm>
+            <a:off x="1933560" y="1601280"/>
+            <a:ext cx="8362440" cy="4590720"/>
+          </a:xfrm>
+          <a:prstGeom prst="rect">
+            <a:avLst/>
+          </a:prstGeom>
           <a:ln>
             <a:noFill/>
           </a:ln>
         </p:spPr>
-        <p:txBody>
-          <a:bodyPr anchor="ctr"/>
-          <a:p>
-            <a:pPr algn="r">
-              <a:lnSpc>
-                <a:spcPct val="100000"/>
-              </a:lnSpc>
-            </a:pPr>
-            <a:fld id="{D2783055-EBE1-4A04-A136-356F3721D8C6}" type="slidenum">
-              <a:rPr b="0" lang="uk-UA" sz="3200" spc="-1" strike="noStrike">
-                <a:solidFill>
-                  <a:srgbClr val="000000"/>
-                </a:solidFill>
-                <a:latin typeface="Times New Roman"/>
-              </a:rPr>
-              <a:t>1</a:t>
-            </a:fld>
-            <a:endParaRPr b="0" lang="uk-UA" sz="3200" spc="-1" strike="noStrike">
-              <a:latin typeface="Times New Roman"/>
-            </a:endParaRPr>
-          </a:p>
-        </p:txBody>
-      </p:sp>
+      </p:pic>
     </p:spTree>
   </p:cSld>
   <p:timing>
@@ -6559,14 +6149,14 @@
       </p:grpSpPr>
       <p:sp>
         <p:nvSpPr>
-          <p:cNvPr id="87" name="CustomShape 1"/>
+          <p:cNvPr id="85" name="CustomShape 1"/>
           <p:cNvSpPr/>
           <p:nvPr/>
         </p:nvSpPr>
         <p:spPr>
           <a:xfrm>
             <a:off x="1097280" y="394920"/>
-            <a:ext cx="10058040" cy="1450440"/>
+            <a:ext cx="10057320" cy="1449720"/>
           </a:xfrm>
           <a:prstGeom prst="rect">
             <a:avLst/>
@@ -6598,8 +6188,9 @@
                   <a:srgbClr val="262626"/>
                 </a:solidFill>
                 <a:latin typeface="Times New Roman"/>
-              </a:rPr>
-              <a:t>Особливості апаратної частини системи для передачі даних</a:t>
+                <a:ea typeface="DejaVu Sans"/>
+              </a:rPr>
+              <a:t>Особливості програмної частини системи для передачі даних</a:t>
             </a:r>
             <a:endParaRPr b="0" lang="uk-UA" sz="4400" spc="-1" strike="noStrike">
               <a:latin typeface="Arial"/>
@@ -6609,14 +6200,14 @@
       </p:sp>
       <p:sp>
         <p:nvSpPr>
-          <p:cNvPr id="88" name="CustomShape 2"/>
+          <p:cNvPr id="86" name="CustomShape 2"/>
           <p:cNvSpPr/>
           <p:nvPr/>
         </p:nvSpPr>
         <p:spPr>
           <a:xfrm>
-            <a:off x="1097280" y="1990800"/>
-            <a:ext cx="10566000" cy="4023000"/>
+            <a:off x="827280" y="1845720"/>
+            <a:ext cx="10332720" cy="4022280"/>
           </a:xfrm>
           <a:prstGeom prst="rect">
             <a:avLst/>
@@ -6635,7 +6226,7 @@
         <p:txBody>
           <a:bodyPr lIns="90000" rIns="90000" tIns="45000" bIns="45000"/>
           <a:p>
-            <a:pPr lvl="1" marL="743040" indent="-285480">
+            <a:pPr marL="216000" indent="-215640">
               <a:lnSpc>
                 <a:spcPct val="100000"/>
               </a:lnSpc>
@@ -6646,27 +6237,28 @@
                 <a:spcPts val="601"/>
               </a:spcAft>
               <a:buClr>
-                <a:srgbClr val="83992a"/>
+                <a:srgbClr val="000000"/>
               </a:buClr>
-              <a:buSzPct val="115000"/>
-              <a:buFont typeface="Arial"/>
-              <a:buChar char="•"/>
-            </a:pPr>
-            <a:r>
-              <a:rPr b="0" lang="uk-UA" sz="2300" spc="-1" strike="noStrike">
-                <a:solidFill>
-                  <a:srgbClr val="262626"/>
-                </a:solidFill>
-                <a:latin typeface="Times New Roman"/>
-              </a:rPr>
-              <a:t>Потрібно враховувати місцеположення модема (можлива відсутність підключення до GPRS/GSM зв’язку). </a:t>
-            </a:r>
-            <a:endParaRPr b="0" lang="uk-UA" sz="2300" spc="-1" strike="noStrike">
-              <a:latin typeface="Arial"/>
-            </a:endParaRPr>
-          </a:p>
-          <a:p>
-            <a:pPr lvl="1" marL="743040" indent="-285480">
+              <a:buSzPct val="45000"/>
+              <a:buFont typeface="Wingdings" charset="2"/>
+              <a:buChar char=""/>
+            </a:pPr>
+            <a:r>
+              <a:rPr b="0" lang="uk-UA" sz="2600" spc="-1" strike="noStrike">
+                <a:solidFill>
+                  <a:srgbClr val="262626"/>
+                </a:solidFill>
+                <a:latin typeface="Times New Roman"/>
+                <a:ea typeface="DejaVu Sans"/>
+              </a:rPr>
+              <a:t>Використання Yocto Project для роботи з дистрибутивом Linux для BeagleBone Black.</a:t>
+            </a:r>
+            <a:endParaRPr b="0" lang="uk-UA" sz="2600" spc="-1" strike="noStrike">
+              <a:latin typeface="Arial"/>
+            </a:endParaRPr>
+          </a:p>
+          <a:p>
+            <a:pPr marL="216000" indent="-215640">
               <a:lnSpc>
                 <a:spcPct val="100000"/>
               </a:lnSpc>
@@ -6677,27 +6269,28 @@
                 <a:spcPts val="601"/>
               </a:spcAft>
               <a:buClr>
-                <a:srgbClr val="83992a"/>
+                <a:srgbClr val="000000"/>
               </a:buClr>
-              <a:buSzPct val="115000"/>
-              <a:buFont typeface="Arial"/>
-              <a:buChar char="•"/>
-            </a:pPr>
-            <a:r>
-              <a:rPr b="0" lang="uk-UA" sz="2300" spc="-1" strike="noStrike">
-                <a:solidFill>
-                  <a:srgbClr val="262626"/>
-                </a:solidFill>
-                <a:latin typeface="Times New Roman"/>
-              </a:rPr>
-              <a:t>Потрібно враховувати зовнішні умови, що впливають на роботу системи.</a:t>
-            </a:r>
-            <a:endParaRPr b="0" lang="uk-UA" sz="2300" spc="-1" strike="noStrike">
-              <a:latin typeface="Arial"/>
-            </a:endParaRPr>
-          </a:p>
-          <a:p>
-            <a:pPr lvl="1" marL="743040" indent="-285480">
+              <a:buSzPct val="45000"/>
+              <a:buFont typeface="Wingdings" charset="2"/>
+              <a:buChar char=""/>
+            </a:pPr>
+            <a:r>
+              <a:rPr b="0" lang="uk-UA" sz="2600" spc="-1" strike="noStrike">
+                <a:solidFill>
+                  <a:srgbClr val="262626"/>
+                </a:solidFill>
+                <a:latin typeface="Times New Roman"/>
+                <a:ea typeface="DejaVu Sans"/>
+              </a:rPr>
+              <a:t>Реалізація драйверів символьних пристроїв для роботи з DHT11/матричною клавіатурою.</a:t>
+            </a:r>
+            <a:endParaRPr b="0" lang="uk-UA" sz="2600" spc="-1" strike="noStrike">
+              <a:latin typeface="Arial"/>
+            </a:endParaRPr>
+          </a:p>
+          <a:p>
+            <a:pPr marL="216000" indent="-215640">
               <a:lnSpc>
                 <a:spcPct val="100000"/>
               </a:lnSpc>
@@ -6708,30 +6301,79 @@
                 <a:spcPts val="601"/>
               </a:spcAft>
               <a:buClr>
-                <a:srgbClr val="83992a"/>
+                <a:srgbClr val="000000"/>
               </a:buClr>
-              <a:buSzPct val="115000"/>
-              <a:buFont typeface="Arial"/>
-              <a:buChar char="•"/>
-            </a:pPr>
-            <a:r>
-              <a:rPr b="0" lang="uk-UA" sz="2300" spc="-1" strike="noStrike">
-                <a:solidFill>
-                  <a:srgbClr val="262626"/>
-                </a:solidFill>
-                <a:latin typeface="Times New Roman"/>
-              </a:rPr>
-              <a:t>Врахування потреб при проектуванні системи (вибір плати-контролера, модема відносно врахування потрібного функціоналу для роботи). </a:t>
-            </a:r>
-            <a:endParaRPr b="0" lang="uk-UA" sz="2300" spc="-1" strike="noStrike">
-              <a:latin typeface="Arial"/>
-            </a:endParaRPr>
-          </a:p>
-        </p:txBody>
-      </p:sp>
-      <p:sp>
-        <p:nvSpPr>
-          <p:cNvPr id="89" name="Line 3"/>
+              <a:buSzPct val="45000"/>
+              <a:buFont typeface="Wingdings" charset="2"/>
+              <a:buChar char=""/>
+            </a:pPr>
+            <a:r>
+              <a:rPr b="0" lang="uk-UA" sz="2600" spc="-1" strike="noStrike">
+                <a:solidFill>
+                  <a:srgbClr val="262626"/>
+                </a:solidFill>
+                <a:latin typeface="Times New Roman"/>
+                <a:ea typeface="DejaVu Sans"/>
+              </a:rPr>
+              <a:t>Реалізація налаштування PPP протоколу та перевірка підключення до GPRS/GSM зв’язку.</a:t>
+            </a:r>
+            <a:endParaRPr b="0" lang="uk-UA" sz="2600" spc="-1" strike="noStrike">
+              <a:latin typeface="Arial"/>
+            </a:endParaRPr>
+          </a:p>
+          <a:p>
+            <a:pPr marL="216000" indent="-215640">
+              <a:lnSpc>
+                <a:spcPct val="100000"/>
+              </a:lnSpc>
+              <a:spcBef>
+                <a:spcPts val="459"/>
+              </a:spcBef>
+              <a:spcAft>
+                <a:spcPts val="601"/>
+              </a:spcAft>
+              <a:buClr>
+                <a:srgbClr val="000000"/>
+              </a:buClr>
+              <a:buSzPct val="45000"/>
+              <a:buFont typeface="Wingdings" charset="2"/>
+              <a:buChar char=""/>
+            </a:pPr>
+            <a:r>
+              <a:rPr b="0" lang="uk-UA" sz="2600" spc="-1" strike="noStrike">
+                <a:solidFill>
+                  <a:srgbClr val="262626"/>
+                </a:solidFill>
+                <a:latin typeface="Times New Roman"/>
+                <a:ea typeface="DejaVu Sans"/>
+              </a:rPr>
+              <a:t>Реалізація клієнта, що в певні проміжки часу буде вичитувати та надсилати на сервер зміни статусу пристроїв через SCP протокол.</a:t>
+            </a:r>
+            <a:endParaRPr b="0" lang="uk-UA" sz="2600" spc="-1" strike="noStrike">
+              <a:latin typeface="Arial"/>
+            </a:endParaRPr>
+          </a:p>
+          <a:p>
+            <a:pPr>
+              <a:lnSpc>
+                <a:spcPct val="100000"/>
+              </a:lnSpc>
+              <a:spcBef>
+                <a:spcPts val="459"/>
+              </a:spcBef>
+              <a:spcAft>
+                <a:spcPts val="601"/>
+              </a:spcAft>
+            </a:pPr>
+            <a:endParaRPr b="0" lang="uk-UA" sz="2600" spc="-1" strike="noStrike">
+              <a:latin typeface="Arial"/>
+            </a:endParaRPr>
+          </a:p>
+        </p:txBody>
+      </p:sp>
+      <p:sp>
+        <p:nvSpPr>
+          <p:cNvPr id="87" name="Line 3"/>
           <p:cNvSpPr/>
           <p:nvPr/>
         </p:nvSpPr>
@@ -6743,12 +6385,12 @@
           <a:prstGeom prst="line">
             <a:avLst/>
           </a:prstGeom>
-          <a:ln w="9360">
+          <a:ln cap="rnd" w="9360">
             <a:solidFill>
               <a:schemeClr val="dk1"/>
             </a:solidFill>
             <a:custDash>
-              <a:ds d="500000" sp="400000"/>
+              <a:ds d="800000" sp="600000"/>
             </a:custDash>
             <a:round/>
           </a:ln>
@@ -6762,14 +6404,14 @@
       </p:sp>
       <p:sp>
         <p:nvSpPr>
-          <p:cNvPr id="90" name="TextShape 4"/>
-          <p:cNvSpPr txBox="1"/>
+          <p:cNvPr id="88" name="CustomShape 4"/>
+          <p:cNvSpPr/>
           <p:nvPr/>
         </p:nvSpPr>
         <p:spPr>
           <a:xfrm>
             <a:off x="9900360" y="6459840"/>
-            <a:ext cx="1311840" cy="364680"/>
+            <a:ext cx="1311120" cy="363960"/>
           </a:xfrm>
           <a:prstGeom prst="rect">
             <a:avLst/>
@@ -6779,25 +6421,32 @@
             <a:noFill/>
           </a:ln>
         </p:spPr>
-        <p:txBody>
-          <a:bodyPr anchor="ctr"/>
+        <p:style>
+          <a:lnRef idx="0"/>
+          <a:fillRef idx="0"/>
+          <a:effectRef idx="0"/>
+          <a:fontRef idx="minor"/>
+        </p:style>
+        <p:txBody>
+          <a:bodyPr lIns="90000" rIns="90000" tIns="45000" bIns="45000" anchor="ctr"/>
           <a:p>
             <a:pPr algn="r">
               <a:lnSpc>
                 <a:spcPct val="100000"/>
               </a:lnSpc>
             </a:pPr>
-            <a:fld id="{850EC4A7-FE3E-40D1-827D-A4DDF6D29DCB}" type="slidenum">
+            <a:fld id="{F95DBA98-0AC1-4D97-B8E6-FB92CB6CCAEC}" type="slidenum">
               <a:rPr b="0" lang="uk-UA" sz="3200" spc="-1" strike="noStrike">
                 <a:solidFill>
                   <a:srgbClr val="000000"/>
                 </a:solidFill>
                 <a:latin typeface="Times New Roman"/>
+                <a:ea typeface="DejaVu Sans"/>
               </a:rPr>
               <a:t>1</a:t>
             </a:fld>
             <a:endParaRPr b="0" lang="uk-UA" sz="3200" spc="-1" strike="noStrike">
-              <a:latin typeface="Times New Roman"/>
+              <a:latin typeface="Arial"/>
             </a:endParaRPr>
           </a:p>
         </p:txBody>
